--- a/PERANCANGAN DAN SIMULASI.pptx
+++ b/PERANCANGAN DAN SIMULASI.pptx
@@ -1,22 +1,22 @@
 
 <file path=ppt/presentation.xml><?xml version="1.0" encoding="utf-8"?>
-<p:presentation xmlns:a="http://schemas.openxmlformats.org/drawingml/2006/main" xmlns:r="http://schemas.openxmlformats.org/officeDocument/2006/relationships" xmlns:p="http://schemas.openxmlformats.org/presentationml/2006/main" saveSubsetFonts="1">
+<p:presentation xmlns:a="http://schemas.openxmlformats.org/drawingml/2006/main" xmlns:r="http://schemas.openxmlformats.org/officeDocument/2006/relationships" xmlns:p="http://schemas.openxmlformats.org/presentationml/2006/main">
   <p:sldMasterIdLst>
-    <p:sldMasterId id="2147483708" r:id="rId1"/>
+    <p:sldMasterId id="2147483648" r:id="rId1"/>
   </p:sldMasterIdLst>
   <p:sldIdLst>
-    <p:sldId id="256" r:id="rId2"/>
-    <p:sldId id="258" r:id="rId3"/>
-    <p:sldId id="257" r:id="rId4"/>
-    <p:sldId id="264" r:id="rId5"/>
-    <p:sldId id="259" r:id="rId6"/>
-    <p:sldId id="265" r:id="rId7"/>
-    <p:sldId id="260" r:id="rId8"/>
-    <p:sldId id="266" r:id="rId9"/>
-    <p:sldId id="261" r:id="rId10"/>
-    <p:sldId id="267" r:id="rId11"/>
-    <p:sldId id="262" r:id="rId12"/>
-    <p:sldId id="263" r:id="rId13"/>
+    <p:sldId id="256" r:id="rId3"/>
+    <p:sldId id="258" r:id="rId4"/>
+    <p:sldId id="257" r:id="rId5"/>
+    <p:sldId id="273" r:id="rId6"/>
+    <p:sldId id="274" r:id="rId7"/>
+    <p:sldId id="275" r:id="rId8"/>
+    <p:sldId id="276" r:id="rId9"/>
+    <p:sldId id="264" r:id="rId10"/>
+    <p:sldId id="259" r:id="rId11"/>
+    <p:sldId id="260" r:id="rId12"/>
+    <p:sldId id="267" r:id="rId13"/>
+    <p:sldId id="262" r:id="rId14"/>
   </p:sldIdLst>
   <p:sldSz cx="12192000" cy="6858000"/>
   <p:notesSz cx="6858000" cy="9144000"/>
@@ -118,8 +118,1866 @@
 </p:presentation>
 </file>
 
+<file path=ppt/charts/chart1.xml><?xml version="1.0" encoding="utf-8"?>
+<c:chartSpace xmlns:c="http://schemas.openxmlformats.org/drawingml/2006/chart" xmlns:a="http://schemas.openxmlformats.org/drawingml/2006/main" xmlns:r="http://schemas.openxmlformats.org/officeDocument/2006/relationships">
+  <c:date1904 val="0"/>
+  <c:lang val="zh-CN"/>
+  <c:roundedCorners val="0"/>
+  <mc:AlternateContent xmlns:mc="http://schemas.openxmlformats.org/markup-compatibility/2006">
+    <mc:Choice xmlns:c14="http://schemas.microsoft.com/office/drawing/2007/8/2/chart" Requires="c14">
+      <c14:style val="102"/>
+    </mc:Choice>
+    <mc:Fallback>
+      <c:style val="2"/>
+    </mc:Fallback>
+  </mc:AlternateContent>
+  <c:chart>
+    <c:title>
+      <c:layout/>
+      <c:overlay val="0"/>
+      <c:spPr>
+        <a:noFill/>
+        <a:ln>
+          <a:noFill/>
+        </a:ln>
+        <a:effectLst/>
+      </c:spPr>
+      <c:txPr>
+        <a:bodyPr rot="0" spcFirstLastPara="1" vertOverflow="ellipsis" vert="horz" wrap="square" anchor="ctr" anchorCtr="1"/>
+        <a:lstStyle/>
+        <a:p>
+          <a:pPr>
+            <a:defRPr lang="en-US" sz="1400" b="0" i="0" u="none" strike="noStrike" kern="1200" spc="0" baseline="0">
+              <a:solidFill>
+                <a:schemeClr val="tx1">
+                  <a:lumMod val="65000"/>
+                  <a:lumOff val="35000"/>
+                </a:schemeClr>
+              </a:solidFill>
+              <a:latin typeface="+mn-lt"/>
+              <a:ea typeface="+mn-ea"/>
+              <a:cs typeface="+mn-cs"/>
+            </a:defRPr>
+          </a:pPr>
+        </a:p>
+      </c:txPr>
+    </c:title>
+    <c:autoTitleDeleted val="0"/>
+    <c:plotArea>
+      <c:layout/>
+      <c:lineChart>
+        <c:grouping val="standard"/>
+        <c:varyColors val="0"/>
+        <c:ser>
+          <c:idx val="0"/>
+          <c:order val="0"/>
+          <c:tx>
+            <c:strRef>
+              <c:f>[datasheet.xlsx]Sheet2!$D$1</c:f>
+              <c:strCache>
+                <c:ptCount val="1"/>
+                <c:pt idx="0">
+                  <c:v>Input</c:v>
+                </c:pt>
+              </c:strCache>
+            </c:strRef>
+          </c:tx>
+          <c:spPr>
+            <a:ln w="28575" cap="rnd">
+              <a:solidFill>
+                <a:schemeClr val="accent1"/>
+              </a:solidFill>
+              <a:round/>
+            </a:ln>
+            <a:effectLst/>
+          </c:spPr>
+          <c:marker>
+            <c:symbol val="none"/>
+          </c:marker>
+          <c:dLbls>
+            <c:delete val="1"/>
+          </c:dLbls>
+          <c:cat>
+            <c:numRef>
+              <c:f>[datasheet.xlsx]Sheet2!$A$3:$A$21</c:f>
+              <c:numCache>
+                <c:formatCode>General</c:formatCode>
+                <c:ptCount val="19"/>
+                <c:pt idx="0">
+                  <c:v>0</c:v>
+                </c:pt>
+                <c:pt idx="1">
+                  <c:v>1</c:v>
+                </c:pt>
+                <c:pt idx="2">
+                  <c:v>2</c:v>
+                </c:pt>
+                <c:pt idx="3">
+                  <c:v>3</c:v>
+                </c:pt>
+                <c:pt idx="4">
+                  <c:v>4</c:v>
+                </c:pt>
+                <c:pt idx="5">
+                  <c:v>5</c:v>
+                </c:pt>
+                <c:pt idx="6">
+                  <c:v>6</c:v>
+                </c:pt>
+                <c:pt idx="7">
+                  <c:v>7</c:v>
+                </c:pt>
+                <c:pt idx="8">
+                  <c:v>8</c:v>
+                </c:pt>
+                <c:pt idx="9">
+                  <c:v>9</c:v>
+                </c:pt>
+                <c:pt idx="10">
+                  <c:v>10</c:v>
+                </c:pt>
+                <c:pt idx="11">
+                  <c:v>11</c:v>
+                </c:pt>
+                <c:pt idx="12">
+                  <c:v>12</c:v>
+                </c:pt>
+                <c:pt idx="13">
+                  <c:v>13</c:v>
+                </c:pt>
+                <c:pt idx="14">
+                  <c:v>14</c:v>
+                </c:pt>
+                <c:pt idx="15">
+                  <c:v>15</c:v>
+                </c:pt>
+                <c:pt idx="16">
+                  <c:v>16</c:v>
+                </c:pt>
+                <c:pt idx="17">
+                  <c:v>17</c:v>
+                </c:pt>
+                <c:pt idx="18">
+                  <c:v>18</c:v>
+                </c:pt>
+              </c:numCache>
+            </c:numRef>
+          </c:cat>
+          <c:val>
+            <c:numRef>
+              <c:f>[datasheet.xlsx]Sheet2!$D$3:$D$21</c:f>
+              <c:numCache>
+                <c:formatCode>General</c:formatCode>
+                <c:ptCount val="19"/>
+                <c:pt idx="0">
+                  <c:v>7</c:v>
+                </c:pt>
+                <c:pt idx="1">
+                  <c:v>5</c:v>
+                </c:pt>
+                <c:pt idx="2">
+                  <c:v>6</c:v>
+                </c:pt>
+                <c:pt idx="3">
+                  <c:v>2</c:v>
+                </c:pt>
+                <c:pt idx="4">
+                  <c:v>3</c:v>
+                </c:pt>
+                <c:pt idx="5">
+                  <c:v>4</c:v>
+                </c:pt>
+                <c:pt idx="6">
+                  <c:v>2</c:v>
+                </c:pt>
+                <c:pt idx="7">
+                  <c:v>0</c:v>
+                </c:pt>
+                <c:pt idx="8">
+                  <c:v>7</c:v>
+                </c:pt>
+                <c:pt idx="9">
+                  <c:v>4</c:v>
+                </c:pt>
+                <c:pt idx="10">
+                  <c:v>2</c:v>
+                </c:pt>
+                <c:pt idx="11">
+                  <c:v>1</c:v>
+                </c:pt>
+                <c:pt idx="12">
+                  <c:v>2</c:v>
+                </c:pt>
+                <c:pt idx="13">
+                  <c:v>5</c:v>
+                </c:pt>
+                <c:pt idx="14">
+                  <c:v>3</c:v>
+                </c:pt>
+                <c:pt idx="15">
+                  <c:v>4</c:v>
+                </c:pt>
+                <c:pt idx="16">
+                  <c:v>2</c:v>
+                </c:pt>
+                <c:pt idx="17">
+                  <c:v>7</c:v>
+                </c:pt>
+                <c:pt idx="18">
+                  <c:v>3</c:v>
+                </c:pt>
+              </c:numCache>
+            </c:numRef>
+          </c:val>
+          <c:smooth val="0"/>
+        </c:ser>
+        <c:dLbls>
+          <c:showLegendKey val="0"/>
+          <c:showVal val="0"/>
+          <c:showCatName val="0"/>
+          <c:showSerName val="0"/>
+          <c:showPercent val="0"/>
+          <c:showBubbleSize val="0"/>
+        </c:dLbls>
+        <c:marker val="0"/>
+        <c:smooth val="0"/>
+        <c:axId val="-688761168"/>
+        <c:axId val="-688760624"/>
+      </c:lineChart>
+      <c:catAx>
+        <c:axId val="-688761168"/>
+        <c:scaling>
+          <c:orientation val="minMax"/>
+        </c:scaling>
+        <c:delete val="0"/>
+        <c:axPos val="b"/>
+        <c:numFmt formatCode="General" sourceLinked="1"/>
+        <c:majorTickMark val="none"/>
+        <c:minorTickMark val="none"/>
+        <c:tickLblPos val="nextTo"/>
+        <c:spPr>
+          <a:noFill/>
+          <a:ln w="9525" cap="flat" cmpd="sng" algn="ctr">
+            <a:solidFill>
+              <a:schemeClr val="tx1">
+                <a:lumMod val="15000"/>
+                <a:lumOff val="85000"/>
+              </a:schemeClr>
+            </a:solidFill>
+            <a:round/>
+          </a:ln>
+          <a:effectLst/>
+        </c:spPr>
+        <c:txPr>
+          <a:bodyPr rot="-60000000" spcFirstLastPara="1" vertOverflow="ellipsis" vert="horz" wrap="square" anchor="ctr" anchorCtr="1"/>
+          <a:lstStyle/>
+          <a:p>
+            <a:pPr>
+              <a:defRPr lang="en-US" sz="900" b="0" i="0" u="none" strike="noStrike" kern="1200" baseline="0">
+                <a:solidFill>
+                  <a:schemeClr val="tx1">
+                    <a:lumMod val="65000"/>
+                    <a:lumOff val="35000"/>
+                  </a:schemeClr>
+                </a:solidFill>
+                <a:latin typeface="+mn-lt"/>
+                <a:ea typeface="+mn-ea"/>
+                <a:cs typeface="+mn-cs"/>
+              </a:defRPr>
+            </a:pPr>
+          </a:p>
+        </c:txPr>
+        <c:crossAx val="-688760624"/>
+        <c:crosses val="autoZero"/>
+        <c:auto val="1"/>
+        <c:lblAlgn val="ctr"/>
+        <c:lblOffset val="100"/>
+        <c:noMultiLvlLbl val="0"/>
+      </c:catAx>
+      <c:valAx>
+        <c:axId val="-688760624"/>
+        <c:scaling>
+          <c:orientation val="minMax"/>
+        </c:scaling>
+        <c:delete val="0"/>
+        <c:axPos val="l"/>
+        <c:majorGridlines>
+          <c:spPr>
+            <a:ln w="9525" cap="flat" cmpd="sng" algn="ctr">
+              <a:solidFill>
+                <a:schemeClr val="tx1">
+                  <a:lumMod val="15000"/>
+                  <a:lumOff val="85000"/>
+                </a:schemeClr>
+              </a:solidFill>
+              <a:round/>
+            </a:ln>
+            <a:effectLst/>
+          </c:spPr>
+        </c:majorGridlines>
+        <c:numFmt formatCode="General" sourceLinked="1"/>
+        <c:majorTickMark val="none"/>
+        <c:minorTickMark val="none"/>
+        <c:tickLblPos val="nextTo"/>
+        <c:spPr>
+          <a:noFill/>
+          <a:ln>
+            <a:noFill/>
+          </a:ln>
+          <a:effectLst/>
+        </c:spPr>
+        <c:txPr>
+          <a:bodyPr rot="-60000000" spcFirstLastPara="1" vertOverflow="ellipsis" vert="horz" wrap="square" anchor="ctr" anchorCtr="1"/>
+          <a:lstStyle/>
+          <a:p>
+            <a:pPr>
+              <a:defRPr lang="en-US" sz="900" b="0" i="0" u="none" strike="noStrike" kern="1200" baseline="0">
+                <a:solidFill>
+                  <a:schemeClr val="tx1">
+                    <a:lumMod val="65000"/>
+                    <a:lumOff val="35000"/>
+                  </a:schemeClr>
+                </a:solidFill>
+                <a:latin typeface="+mn-lt"/>
+                <a:ea typeface="+mn-ea"/>
+                <a:cs typeface="+mn-cs"/>
+              </a:defRPr>
+            </a:pPr>
+          </a:p>
+        </c:txPr>
+        <c:crossAx val="-688761168"/>
+        <c:crosses val="autoZero"/>
+        <c:crossBetween val="between"/>
+      </c:valAx>
+      <c:spPr>
+        <a:noFill/>
+        <a:ln>
+          <a:noFill/>
+        </a:ln>
+        <a:effectLst/>
+      </c:spPr>
+    </c:plotArea>
+    <c:plotVisOnly val="1"/>
+    <c:dispBlanksAs val="gap"/>
+    <c:showDLblsOverMax val="0"/>
+  </c:chart>
+  <c:spPr>
+    <a:solidFill>
+      <a:schemeClr val="bg1"/>
+    </a:solidFill>
+    <a:ln w="9525" cap="flat" cmpd="sng" algn="ctr">
+      <a:solidFill>
+        <a:schemeClr val="tx1">
+          <a:lumMod val="15000"/>
+          <a:lumOff val="85000"/>
+        </a:schemeClr>
+      </a:solidFill>
+      <a:round/>
+    </a:ln>
+    <a:effectLst/>
+  </c:spPr>
+  <c:txPr>
+    <a:bodyPr/>
+    <a:lstStyle/>
+    <a:p>
+      <a:pPr>
+        <a:defRPr lang="en-US"/>
+      </a:pPr>
+    </a:p>
+  </c:txPr>
+  <c:externalData r:id="rId1">
+    <c:autoUpdate val="0"/>
+  </c:externalData>
+</c:chartSpace>
+</file>
+
+<file path=ppt/charts/chart2.xml><?xml version="1.0" encoding="utf-8"?>
+<c:chartSpace xmlns:c="http://schemas.openxmlformats.org/drawingml/2006/chart" xmlns:a="http://schemas.openxmlformats.org/drawingml/2006/main" xmlns:r="http://schemas.openxmlformats.org/officeDocument/2006/relationships">
+  <c:date1904 val="0"/>
+  <c:lang val="zh-CN"/>
+  <c:roundedCorners val="0"/>
+  <mc:AlternateContent xmlns:mc="http://schemas.openxmlformats.org/markup-compatibility/2006">
+    <mc:Choice xmlns:c14="http://schemas.microsoft.com/office/drawing/2007/8/2/chart" Requires="c14">
+      <c14:style val="102"/>
+    </mc:Choice>
+    <mc:Fallback>
+      <c:style val="2"/>
+    </mc:Fallback>
+  </mc:AlternateContent>
+  <c:chart>
+    <c:title>
+      <c:layout/>
+      <c:overlay val="0"/>
+      <c:spPr>
+        <a:noFill/>
+        <a:ln>
+          <a:noFill/>
+        </a:ln>
+        <a:effectLst/>
+      </c:spPr>
+      <c:txPr>
+        <a:bodyPr rot="0" spcFirstLastPara="1" vertOverflow="ellipsis" vert="horz" wrap="square" anchor="ctr" anchorCtr="1"/>
+        <a:lstStyle/>
+        <a:p>
+          <a:pPr>
+            <a:defRPr lang="en-US" sz="1400" b="0" i="0" u="none" strike="noStrike" kern="1200" spc="0" baseline="0">
+              <a:solidFill>
+                <a:schemeClr val="tx1">
+                  <a:lumMod val="65000"/>
+                  <a:lumOff val="35000"/>
+                </a:schemeClr>
+              </a:solidFill>
+              <a:latin typeface="+mn-lt"/>
+              <a:ea typeface="+mn-ea"/>
+              <a:cs typeface="+mn-cs"/>
+            </a:defRPr>
+          </a:pPr>
+        </a:p>
+      </c:txPr>
+    </c:title>
+    <c:autoTitleDeleted val="0"/>
+    <c:plotArea>
+      <c:layout/>
+      <c:lineChart>
+        <c:grouping val="standard"/>
+        <c:varyColors val="0"/>
+        <c:ser>
+          <c:idx val="0"/>
+          <c:order val="0"/>
+          <c:tx>
+            <c:strRef>
+              <c:f>[datasheet.xlsx]Sheet2!$E$1</c:f>
+              <c:strCache>
+                <c:ptCount val="1"/>
+                <c:pt idx="0">
+                  <c:v>Output</c:v>
+                </c:pt>
+              </c:strCache>
+            </c:strRef>
+          </c:tx>
+          <c:spPr>
+            <a:ln w="28575" cap="rnd">
+              <a:solidFill>
+                <a:schemeClr val="accent1"/>
+              </a:solidFill>
+              <a:round/>
+            </a:ln>
+            <a:effectLst/>
+          </c:spPr>
+          <c:marker>
+            <c:symbol val="none"/>
+          </c:marker>
+          <c:dLbls>
+            <c:delete val="1"/>
+          </c:dLbls>
+          <c:cat>
+            <c:numRef>
+              <c:f>[datasheet.xlsx]Sheet2!$A$3:$A$21</c:f>
+              <c:numCache>
+                <c:formatCode>General</c:formatCode>
+                <c:ptCount val="19"/>
+                <c:pt idx="0">
+                  <c:v>0</c:v>
+                </c:pt>
+                <c:pt idx="1">
+                  <c:v>1</c:v>
+                </c:pt>
+                <c:pt idx="2">
+                  <c:v>2</c:v>
+                </c:pt>
+                <c:pt idx="3">
+                  <c:v>3</c:v>
+                </c:pt>
+                <c:pt idx="4">
+                  <c:v>4</c:v>
+                </c:pt>
+                <c:pt idx="5">
+                  <c:v>5</c:v>
+                </c:pt>
+                <c:pt idx="6">
+                  <c:v>6</c:v>
+                </c:pt>
+                <c:pt idx="7">
+                  <c:v>7</c:v>
+                </c:pt>
+                <c:pt idx="8">
+                  <c:v>8</c:v>
+                </c:pt>
+                <c:pt idx="9">
+                  <c:v>9</c:v>
+                </c:pt>
+                <c:pt idx="10">
+                  <c:v>10</c:v>
+                </c:pt>
+                <c:pt idx="11">
+                  <c:v>11</c:v>
+                </c:pt>
+                <c:pt idx="12">
+                  <c:v>12</c:v>
+                </c:pt>
+                <c:pt idx="13">
+                  <c:v>13</c:v>
+                </c:pt>
+                <c:pt idx="14">
+                  <c:v>14</c:v>
+                </c:pt>
+                <c:pt idx="15">
+                  <c:v>15</c:v>
+                </c:pt>
+                <c:pt idx="16">
+                  <c:v>16</c:v>
+                </c:pt>
+                <c:pt idx="17">
+                  <c:v>17</c:v>
+                </c:pt>
+                <c:pt idx="18">
+                  <c:v>18</c:v>
+                </c:pt>
+              </c:numCache>
+            </c:numRef>
+          </c:cat>
+          <c:val>
+            <c:numRef>
+              <c:f>[datasheet.xlsx]Sheet2!$E$3:$E$21</c:f>
+              <c:numCache>
+                <c:formatCode>General</c:formatCode>
+                <c:ptCount val="19"/>
+                <c:pt idx="0">
+                  <c:v>0</c:v>
+                </c:pt>
+                <c:pt idx="1">
+                  <c:v>64</c:v>
+                </c:pt>
+                <c:pt idx="2">
+                  <c:v>128</c:v>
+                </c:pt>
+                <c:pt idx="3">
+                  <c:v>194</c:v>
+                </c:pt>
+                <c:pt idx="4">
+                  <c:v>2</c:v>
+                </c:pt>
+                <c:pt idx="5">
+                  <c:v>66</c:v>
+                </c:pt>
+                <c:pt idx="6">
+                  <c:v>130</c:v>
+                </c:pt>
+                <c:pt idx="7">
+                  <c:v>192</c:v>
+                </c:pt>
+                <c:pt idx="8">
+                  <c:v>0</c:v>
+                </c:pt>
+                <c:pt idx="9">
+                  <c:v>64</c:v>
+                </c:pt>
+                <c:pt idx="10">
+                  <c:v>128</c:v>
+                </c:pt>
+                <c:pt idx="11">
+                  <c:v>193</c:v>
+                </c:pt>
+                <c:pt idx="12">
+                  <c:v>1</c:v>
+                </c:pt>
+                <c:pt idx="13">
+                  <c:v>65</c:v>
+                </c:pt>
+                <c:pt idx="14">
+                  <c:v>129</c:v>
+                </c:pt>
+                <c:pt idx="15">
+                  <c:v>196</c:v>
+                </c:pt>
+                <c:pt idx="16">
+                  <c:v>4</c:v>
+                </c:pt>
+                <c:pt idx="17">
+                  <c:v>68</c:v>
+                </c:pt>
+                <c:pt idx="18">
+                  <c:v>132</c:v>
+                </c:pt>
+              </c:numCache>
+            </c:numRef>
+          </c:val>
+          <c:smooth val="0"/>
+        </c:ser>
+        <c:dLbls>
+          <c:showLegendKey val="0"/>
+          <c:showVal val="0"/>
+          <c:showCatName val="0"/>
+          <c:showSerName val="0"/>
+          <c:showPercent val="0"/>
+          <c:showBubbleSize val="0"/>
+        </c:dLbls>
+        <c:marker val="0"/>
+        <c:smooth val="0"/>
+        <c:axId val="-688889408"/>
+        <c:axId val="-688892672"/>
+      </c:lineChart>
+      <c:catAx>
+        <c:axId val="-688889408"/>
+        <c:scaling>
+          <c:orientation val="minMax"/>
+        </c:scaling>
+        <c:delete val="0"/>
+        <c:axPos val="b"/>
+        <c:numFmt formatCode="General" sourceLinked="1"/>
+        <c:majorTickMark val="none"/>
+        <c:minorTickMark val="none"/>
+        <c:tickLblPos val="nextTo"/>
+        <c:spPr>
+          <a:noFill/>
+          <a:ln w="9525" cap="flat" cmpd="sng" algn="ctr">
+            <a:solidFill>
+              <a:schemeClr val="tx1">
+                <a:lumMod val="15000"/>
+                <a:lumOff val="85000"/>
+              </a:schemeClr>
+            </a:solidFill>
+            <a:round/>
+          </a:ln>
+          <a:effectLst/>
+        </c:spPr>
+        <c:txPr>
+          <a:bodyPr rot="-60000000" spcFirstLastPara="1" vertOverflow="ellipsis" vert="horz" wrap="square" anchor="ctr" anchorCtr="1"/>
+          <a:lstStyle/>
+          <a:p>
+            <a:pPr>
+              <a:defRPr lang="en-US" sz="900" b="0" i="0" u="none" strike="noStrike" kern="1200" baseline="0">
+                <a:solidFill>
+                  <a:schemeClr val="tx1">
+                    <a:lumMod val="65000"/>
+                    <a:lumOff val="35000"/>
+                  </a:schemeClr>
+                </a:solidFill>
+                <a:latin typeface="+mn-lt"/>
+                <a:ea typeface="+mn-ea"/>
+                <a:cs typeface="+mn-cs"/>
+              </a:defRPr>
+            </a:pPr>
+          </a:p>
+        </c:txPr>
+        <c:crossAx val="-688892672"/>
+        <c:crosses val="autoZero"/>
+        <c:auto val="1"/>
+        <c:lblAlgn val="ctr"/>
+        <c:lblOffset val="100"/>
+        <c:noMultiLvlLbl val="0"/>
+      </c:catAx>
+      <c:valAx>
+        <c:axId val="-688892672"/>
+        <c:scaling>
+          <c:orientation val="minMax"/>
+        </c:scaling>
+        <c:delete val="0"/>
+        <c:axPos val="l"/>
+        <c:majorGridlines>
+          <c:spPr>
+            <a:ln w="9525" cap="flat" cmpd="sng" algn="ctr">
+              <a:solidFill>
+                <a:schemeClr val="tx1">
+                  <a:lumMod val="15000"/>
+                  <a:lumOff val="85000"/>
+                </a:schemeClr>
+              </a:solidFill>
+              <a:round/>
+            </a:ln>
+            <a:effectLst/>
+          </c:spPr>
+        </c:majorGridlines>
+        <c:numFmt formatCode="General" sourceLinked="1"/>
+        <c:majorTickMark val="none"/>
+        <c:minorTickMark val="none"/>
+        <c:tickLblPos val="nextTo"/>
+        <c:spPr>
+          <a:noFill/>
+          <a:ln>
+            <a:noFill/>
+          </a:ln>
+          <a:effectLst/>
+        </c:spPr>
+        <c:txPr>
+          <a:bodyPr rot="-60000000" spcFirstLastPara="1" vertOverflow="ellipsis" vert="horz" wrap="square" anchor="ctr" anchorCtr="1"/>
+          <a:lstStyle/>
+          <a:p>
+            <a:pPr>
+              <a:defRPr lang="en-US" sz="900" b="0" i="0" u="none" strike="noStrike" kern="1200" baseline="0">
+                <a:solidFill>
+                  <a:schemeClr val="tx1">
+                    <a:lumMod val="65000"/>
+                    <a:lumOff val="35000"/>
+                  </a:schemeClr>
+                </a:solidFill>
+                <a:latin typeface="+mn-lt"/>
+                <a:ea typeface="+mn-ea"/>
+                <a:cs typeface="+mn-cs"/>
+              </a:defRPr>
+            </a:pPr>
+          </a:p>
+        </c:txPr>
+        <c:crossAx val="-688889408"/>
+        <c:crosses val="autoZero"/>
+        <c:crossBetween val="between"/>
+      </c:valAx>
+      <c:spPr>
+        <a:noFill/>
+        <a:ln>
+          <a:noFill/>
+        </a:ln>
+        <a:effectLst/>
+      </c:spPr>
+    </c:plotArea>
+    <c:plotVisOnly val="1"/>
+    <c:dispBlanksAs val="gap"/>
+    <c:showDLblsOverMax val="0"/>
+  </c:chart>
+  <c:spPr>
+    <a:solidFill>
+      <a:schemeClr val="bg1"/>
+    </a:solidFill>
+    <a:ln w="9525" cap="flat" cmpd="sng" algn="ctr">
+      <a:solidFill>
+        <a:schemeClr val="tx1">
+          <a:lumMod val="15000"/>
+          <a:lumOff val="85000"/>
+        </a:schemeClr>
+      </a:solidFill>
+      <a:round/>
+    </a:ln>
+    <a:effectLst/>
+  </c:spPr>
+  <c:txPr>
+    <a:bodyPr/>
+    <a:lstStyle/>
+    <a:p>
+      <a:pPr>
+        <a:defRPr lang="en-US"/>
+      </a:pPr>
+    </a:p>
+  </c:txPr>
+  <c:externalData r:id="rId1">
+    <c:autoUpdate val="0"/>
+  </c:externalData>
+</c:chartSpace>
+</file>
+
+<file path=ppt/charts/colors1.xml><?xml version="1.0" encoding="utf-8"?>
+<cs:colorStyle xmlns:cs="http://schemas.microsoft.com/office/drawing/2012/chartStyle" xmlns:a="http://schemas.openxmlformats.org/drawingml/2006/main" meth="cycle" id="10">
+  <a:schemeClr val="accent1"/>
+  <a:schemeClr val="accent2"/>
+  <a:schemeClr val="accent3"/>
+  <a:schemeClr val="accent4"/>
+  <a:schemeClr val="accent5"/>
+  <a:schemeClr val="accent6"/>
+  <cs:variation/>
+  <cs:variation>
+    <a:lumMod val="60000"/>
+  </cs:variation>
+  <cs:variation>
+    <a:lumMod val="80000"/>
+    <a:lumOff val="20000"/>
+  </cs:variation>
+  <cs:variation>
+    <a:lumMod val="80000"/>
+  </cs:variation>
+  <cs:variation>
+    <a:lumMod val="60000"/>
+    <a:lumOff val="40000"/>
+  </cs:variation>
+  <cs:variation>
+    <a:lumMod val="50000"/>
+  </cs:variation>
+  <cs:variation>
+    <a:lumMod val="70000"/>
+    <a:lumOff val="30000"/>
+  </cs:variation>
+  <cs:variation>
+    <a:lumMod val="70000"/>
+  </cs:variation>
+  <cs:variation>
+    <a:lumMod val="50000"/>
+    <a:lumOff val="50000"/>
+  </cs:variation>
+</cs:colorStyle>
+</file>
+
+<file path=ppt/charts/colors2.xml><?xml version="1.0" encoding="utf-8"?>
+<cs:colorStyle xmlns:cs="http://schemas.microsoft.com/office/drawing/2012/chartStyle" xmlns:a="http://schemas.openxmlformats.org/drawingml/2006/main" meth="cycle" id="10">
+  <a:schemeClr val="accent1"/>
+  <a:schemeClr val="accent2"/>
+  <a:schemeClr val="accent3"/>
+  <a:schemeClr val="accent4"/>
+  <a:schemeClr val="accent5"/>
+  <a:schemeClr val="accent6"/>
+  <cs:variation/>
+  <cs:variation>
+    <a:lumMod val="60000"/>
+  </cs:variation>
+  <cs:variation>
+    <a:lumMod val="80000"/>
+    <a:lumOff val="20000"/>
+  </cs:variation>
+  <cs:variation>
+    <a:lumMod val="80000"/>
+  </cs:variation>
+  <cs:variation>
+    <a:lumMod val="60000"/>
+    <a:lumOff val="40000"/>
+  </cs:variation>
+  <cs:variation>
+    <a:lumMod val="50000"/>
+  </cs:variation>
+  <cs:variation>
+    <a:lumMod val="70000"/>
+    <a:lumOff val="30000"/>
+  </cs:variation>
+  <cs:variation>
+    <a:lumMod val="70000"/>
+  </cs:variation>
+  <cs:variation>
+    <a:lumMod val="50000"/>
+    <a:lumOff val="50000"/>
+  </cs:variation>
+</cs:colorStyle>
+</file>
+
+<file path=ppt/charts/style1.xml><?xml version="1.0" encoding="utf-8"?>
+<cs:chartStyle xmlns:cs="http://schemas.microsoft.com/office/drawing/2012/chartStyle" xmlns:a="http://schemas.openxmlformats.org/drawingml/2006/main" id="227">
+  <cs:axisTitle>
+    <cs:lnRef idx="0"/>
+    <cs:fillRef idx="0"/>
+    <cs:effectRef idx="0"/>
+    <cs:fontRef idx="minor">
+      <a:schemeClr val="tx1">
+        <a:lumMod val="65000"/>
+        <a:lumOff val="35000"/>
+      </a:schemeClr>
+    </cs:fontRef>
+    <cs:defRPr sz="1000" kern="1200"/>
+  </cs:axisTitle>
+  <cs:categoryAxis>
+    <cs:lnRef idx="0"/>
+    <cs:fillRef idx="0"/>
+    <cs:effectRef idx="0"/>
+    <cs:fontRef idx="minor">
+      <a:schemeClr val="tx1">
+        <a:lumMod val="65000"/>
+        <a:lumOff val="35000"/>
+      </a:schemeClr>
+    </cs:fontRef>
+    <cs:spPr>
+      <a:ln w="9525" cap="flat" cmpd="sng" algn="ctr">
+        <a:solidFill>
+          <a:schemeClr val="tx1">
+            <a:lumMod val="15000"/>
+            <a:lumOff val="85000"/>
+          </a:schemeClr>
+        </a:solidFill>
+        <a:round/>
+      </a:ln>
+    </cs:spPr>
+    <cs:defRPr sz="900" kern="1200"/>
+  </cs:categoryAxis>
+  <cs:chartArea mods="allowNoFillOverride allowNoLineOverride">
+    <cs:lnRef idx="0"/>
+    <cs:fillRef idx="0"/>
+    <cs:effectRef idx="0"/>
+    <cs:fontRef idx="minor">
+      <a:schemeClr val="tx1"/>
+    </cs:fontRef>
+    <cs:spPr>
+      <a:solidFill>
+        <a:schemeClr val="bg1"/>
+      </a:solidFill>
+      <a:ln w="9525" cap="flat" cmpd="sng" algn="ctr">
+        <a:solidFill>
+          <a:schemeClr val="tx1">
+            <a:lumMod val="15000"/>
+            <a:lumOff val="85000"/>
+          </a:schemeClr>
+        </a:solidFill>
+        <a:round/>
+      </a:ln>
+    </cs:spPr>
+    <cs:defRPr sz="1000" kern="1200"/>
+  </cs:chartArea>
+  <cs:dataLabel>
+    <cs:lnRef idx="0"/>
+    <cs:fillRef idx="0"/>
+    <cs:effectRef idx="0"/>
+    <cs:fontRef idx="minor">
+      <a:schemeClr val="tx1">
+        <a:lumMod val="75000"/>
+        <a:lumOff val="25000"/>
+      </a:schemeClr>
+    </cs:fontRef>
+    <cs:defRPr sz="900" kern="1200"/>
+  </cs:dataLabel>
+  <cs:dataLabelCallout>
+    <cs:lnRef idx="0"/>
+    <cs:fillRef idx="0"/>
+    <cs:effectRef idx="0"/>
+    <cs:fontRef idx="minor">
+      <a:schemeClr val="dk1">
+        <a:lumMod val="65000"/>
+        <a:lumOff val="35000"/>
+      </a:schemeClr>
+    </cs:fontRef>
+    <cs:spPr>
+      <a:solidFill>
+        <a:schemeClr val="lt1"/>
+      </a:solidFill>
+      <a:ln>
+        <a:solidFill>
+          <a:schemeClr val="dk1">
+            <a:lumMod val="25000"/>
+            <a:lumOff val="75000"/>
+          </a:schemeClr>
+        </a:solidFill>
+      </a:ln>
+    </cs:spPr>
+    <cs:defRPr sz="900" kern="1200"/>
+    <cs:bodyPr rot="0" spcFirstLastPara="1" vertOverflow="clip" horzOverflow="clip" vert="horz" wrap="square" lIns="36576" tIns="18288" rIns="36576" bIns="18288" anchor="ctr" anchorCtr="1">
+      <a:spAutoFit/>
+    </cs:bodyPr>
+  </cs:dataLabelCallout>
+  <cs:dataPoint>
+    <cs:lnRef idx="0"/>
+    <cs:fillRef idx="1">
+      <cs:styleClr val="auto"/>
+    </cs:fillRef>
+    <cs:effectRef idx="0"/>
+    <cs:fontRef idx="minor">
+      <a:schemeClr val="tx1"/>
+    </cs:fontRef>
+    <cs:spPr>
+      <a:solidFill>
+        <a:schemeClr val="phClr"/>
+      </a:solidFill>
+    </cs:spPr>
+  </cs:dataPoint>
+  <cs:dataPoint3D>
+    <cs:lnRef idx="0"/>
+    <cs:fillRef idx="1">
+      <cs:styleClr val="auto"/>
+    </cs:fillRef>
+    <cs:effectRef idx="0"/>
+    <cs:fontRef idx="minor">
+      <a:schemeClr val="tx1"/>
+    </cs:fontRef>
+    <cs:spPr>
+      <a:solidFill>
+        <a:schemeClr val="phClr"/>
+      </a:solidFill>
+    </cs:spPr>
+  </cs:dataPoint3D>
+  <cs:dataPointLine>
+    <cs:lnRef idx="0">
+      <cs:styleClr val="auto"/>
+    </cs:lnRef>
+    <cs:fillRef idx="1"/>
+    <cs:effectRef idx="0"/>
+    <cs:fontRef idx="minor">
+      <a:schemeClr val="tx1"/>
+    </cs:fontRef>
+    <cs:spPr>
+      <a:ln w="28575" cap="rnd">
+        <a:solidFill>
+          <a:schemeClr val="phClr"/>
+        </a:solidFill>
+        <a:round/>
+      </a:ln>
+    </cs:spPr>
+  </cs:dataPointLine>
+  <cs:dataPointMarker>
+    <cs:lnRef idx="0">
+      <cs:styleClr val="auto"/>
+    </cs:lnRef>
+    <cs:fillRef idx="1">
+      <cs:styleClr val="auto"/>
+    </cs:fillRef>
+    <cs:effectRef idx="0"/>
+    <cs:fontRef idx="minor">
+      <a:schemeClr val="tx1"/>
+    </cs:fontRef>
+    <cs:spPr>
+      <a:solidFill>
+        <a:schemeClr val="phClr"/>
+      </a:solidFill>
+      <a:ln w="9525">
+        <a:solidFill>
+          <a:schemeClr val="phClr"/>
+        </a:solidFill>
+      </a:ln>
+    </cs:spPr>
+  </cs:dataPointMarker>
+  <cs:dataPointMarkerLayout symbol="circle" size="5"/>
+  <cs:dataPointWireframe>
+    <cs:lnRef idx="0">
+      <cs:styleClr val="auto"/>
+    </cs:lnRef>
+    <cs:fillRef idx="1"/>
+    <cs:effectRef idx="0"/>
+    <cs:fontRef idx="minor">
+      <a:schemeClr val="tx1"/>
+    </cs:fontRef>
+    <cs:spPr>
+      <a:ln w="9525" cap="rnd">
+        <a:solidFill>
+          <a:schemeClr val="phClr"/>
+        </a:solidFill>
+        <a:round/>
+      </a:ln>
+    </cs:spPr>
+  </cs:dataPointWireframe>
+  <cs:dataTable>
+    <cs:lnRef idx="0"/>
+    <cs:fillRef idx="0"/>
+    <cs:effectRef idx="0"/>
+    <cs:fontRef idx="minor">
+      <a:schemeClr val="tx1">
+        <a:lumMod val="65000"/>
+        <a:lumOff val="35000"/>
+      </a:schemeClr>
+    </cs:fontRef>
+    <cs:spPr>
+      <a:noFill/>
+      <a:ln w="9525" cap="flat" cmpd="sng" algn="ctr">
+        <a:solidFill>
+          <a:schemeClr val="tx1">
+            <a:lumMod val="15000"/>
+            <a:lumOff val="85000"/>
+          </a:schemeClr>
+        </a:solidFill>
+        <a:round/>
+      </a:ln>
+    </cs:spPr>
+    <cs:defRPr sz="900" kern="1200"/>
+  </cs:dataTable>
+  <cs:downBar>
+    <cs:lnRef idx="0"/>
+    <cs:fillRef idx="0"/>
+    <cs:effectRef idx="0"/>
+    <cs:fontRef idx="minor">
+      <a:schemeClr val="dk1"/>
+    </cs:fontRef>
+    <cs:spPr>
+      <a:solidFill>
+        <a:schemeClr val="dk1">
+          <a:lumMod val="65000"/>
+          <a:lumOff val="35000"/>
+        </a:schemeClr>
+      </a:solidFill>
+      <a:ln w="9525">
+        <a:solidFill>
+          <a:schemeClr val="tx1">
+            <a:lumMod val="65000"/>
+            <a:lumOff val="35000"/>
+          </a:schemeClr>
+        </a:solidFill>
+      </a:ln>
+    </cs:spPr>
+  </cs:downBar>
+  <cs:dropLine>
+    <cs:lnRef idx="0"/>
+    <cs:fillRef idx="0"/>
+    <cs:effectRef idx="0"/>
+    <cs:fontRef idx="minor">
+      <a:schemeClr val="tx1"/>
+    </cs:fontRef>
+    <cs:spPr>
+      <a:ln w="9525" cap="flat" cmpd="sng" algn="ctr">
+        <a:solidFill>
+          <a:schemeClr val="tx1">
+            <a:lumMod val="35000"/>
+            <a:lumOff val="65000"/>
+          </a:schemeClr>
+        </a:solidFill>
+        <a:round/>
+      </a:ln>
+    </cs:spPr>
+  </cs:dropLine>
+  <cs:errorBar>
+    <cs:lnRef idx="0"/>
+    <cs:fillRef idx="0"/>
+    <cs:effectRef idx="0"/>
+    <cs:fontRef idx="minor">
+      <a:schemeClr val="tx1"/>
+    </cs:fontRef>
+    <cs:spPr>
+      <a:ln w="9525" cap="flat" cmpd="sng" algn="ctr">
+        <a:solidFill>
+          <a:schemeClr val="tx1">
+            <a:lumMod val="65000"/>
+            <a:lumOff val="35000"/>
+          </a:schemeClr>
+        </a:solidFill>
+        <a:round/>
+      </a:ln>
+    </cs:spPr>
+  </cs:errorBar>
+  <cs:floor>
+    <cs:lnRef idx="0"/>
+    <cs:fillRef idx="0"/>
+    <cs:effectRef idx="0"/>
+    <cs:fontRef idx="minor">
+      <a:schemeClr val="tx1"/>
+    </cs:fontRef>
+    <cs:spPr>
+      <a:noFill/>
+      <a:ln>
+        <a:noFill/>
+      </a:ln>
+    </cs:spPr>
+  </cs:floor>
+  <cs:gridlineMajor>
+    <cs:lnRef idx="0"/>
+    <cs:fillRef idx="0"/>
+    <cs:effectRef idx="0"/>
+    <cs:fontRef idx="minor">
+      <a:schemeClr val="tx1"/>
+    </cs:fontRef>
+    <cs:spPr>
+      <a:ln w="9525" cap="flat" cmpd="sng" algn="ctr">
+        <a:solidFill>
+          <a:schemeClr val="tx1">
+            <a:lumMod val="15000"/>
+            <a:lumOff val="85000"/>
+          </a:schemeClr>
+        </a:solidFill>
+        <a:round/>
+      </a:ln>
+    </cs:spPr>
+  </cs:gridlineMajor>
+  <cs:gridlineMinor>
+    <cs:lnRef idx="0"/>
+    <cs:fillRef idx="0"/>
+    <cs:effectRef idx="0"/>
+    <cs:fontRef idx="minor">
+      <a:schemeClr val="tx1"/>
+    </cs:fontRef>
+    <cs:spPr>
+      <a:ln w="9525" cap="flat" cmpd="sng" algn="ctr">
+        <a:solidFill>
+          <a:schemeClr val="tx1">
+            <a:lumMod val="5000"/>
+            <a:lumOff val="95000"/>
+          </a:schemeClr>
+        </a:solidFill>
+        <a:round/>
+      </a:ln>
+    </cs:spPr>
+  </cs:gridlineMinor>
+  <cs:hiLoLine>
+    <cs:lnRef idx="0"/>
+    <cs:fillRef idx="0"/>
+    <cs:effectRef idx="0"/>
+    <cs:fontRef idx="minor">
+      <a:schemeClr val="tx1"/>
+    </cs:fontRef>
+    <cs:spPr>
+      <a:ln w="9525" cap="flat" cmpd="sng" algn="ctr">
+        <a:solidFill>
+          <a:schemeClr val="tx1">
+            <a:lumMod val="75000"/>
+            <a:lumOff val="25000"/>
+          </a:schemeClr>
+        </a:solidFill>
+        <a:round/>
+      </a:ln>
+    </cs:spPr>
+  </cs:hiLoLine>
+  <cs:leaderLine>
+    <cs:lnRef idx="0"/>
+    <cs:fillRef idx="0"/>
+    <cs:effectRef idx="0"/>
+    <cs:fontRef idx="minor">
+      <a:schemeClr val="tx1"/>
+    </cs:fontRef>
+    <cs:spPr>
+      <a:ln w="9525" cap="flat" cmpd="sng" algn="ctr">
+        <a:solidFill>
+          <a:schemeClr val="tx1">
+            <a:lumMod val="35000"/>
+            <a:lumOff val="65000"/>
+          </a:schemeClr>
+        </a:solidFill>
+        <a:round/>
+      </a:ln>
+    </cs:spPr>
+  </cs:leaderLine>
+  <cs:legend>
+    <cs:lnRef idx="0"/>
+    <cs:fillRef idx="0"/>
+    <cs:effectRef idx="0"/>
+    <cs:fontRef idx="minor">
+      <a:schemeClr val="tx1">
+        <a:lumMod val="65000"/>
+        <a:lumOff val="35000"/>
+      </a:schemeClr>
+    </cs:fontRef>
+    <cs:defRPr sz="900" kern="1200"/>
+  </cs:legend>
+  <cs:plotArea mods="allowNoFillOverride allowNoLineOverride">
+    <cs:lnRef idx="0"/>
+    <cs:fillRef idx="0"/>
+    <cs:effectRef idx="0"/>
+    <cs:fontRef idx="minor">
+      <a:schemeClr val="tx1"/>
+    </cs:fontRef>
+  </cs:plotArea>
+  <cs:plotArea3D mods="allowNoFillOverride allowNoLineOverride">
+    <cs:lnRef idx="0"/>
+    <cs:fillRef idx="0"/>
+    <cs:effectRef idx="0"/>
+    <cs:fontRef idx="minor">
+      <a:schemeClr val="tx1"/>
+    </cs:fontRef>
+  </cs:plotArea3D>
+  <cs:seriesAxis>
+    <cs:lnRef idx="0"/>
+    <cs:fillRef idx="0"/>
+    <cs:effectRef idx="0"/>
+    <cs:fontRef idx="minor">
+      <a:schemeClr val="tx1">
+        <a:lumMod val="65000"/>
+        <a:lumOff val="35000"/>
+      </a:schemeClr>
+    </cs:fontRef>
+    <cs:defRPr sz="900" kern="1200"/>
+  </cs:seriesAxis>
+  <cs:seriesLine>
+    <cs:lnRef idx="0"/>
+    <cs:fillRef idx="0"/>
+    <cs:effectRef idx="0"/>
+    <cs:fontRef idx="minor">
+      <a:schemeClr val="tx1"/>
+    </cs:fontRef>
+    <cs:spPr>
+      <a:ln w="9525" cap="flat" cmpd="sng" algn="ctr">
+        <a:solidFill>
+          <a:schemeClr val="tx1">
+            <a:lumMod val="35000"/>
+            <a:lumOff val="65000"/>
+          </a:schemeClr>
+        </a:solidFill>
+        <a:round/>
+      </a:ln>
+    </cs:spPr>
+  </cs:seriesLine>
+  <cs:title>
+    <cs:lnRef idx="0"/>
+    <cs:fillRef idx="0"/>
+    <cs:effectRef idx="0"/>
+    <cs:fontRef idx="minor">
+      <a:schemeClr val="tx1">
+        <a:lumMod val="65000"/>
+        <a:lumOff val="35000"/>
+      </a:schemeClr>
+    </cs:fontRef>
+    <cs:defRPr sz="1400" b="0" kern="1200" spc="0" baseline="0"/>
+  </cs:title>
+  <cs:trendline>
+    <cs:lnRef idx="0">
+      <cs:styleClr val="auto"/>
+    </cs:lnRef>
+    <cs:fillRef idx="0"/>
+    <cs:effectRef idx="0"/>
+    <cs:fontRef idx="minor">
+      <a:schemeClr val="tx1"/>
+    </cs:fontRef>
+    <cs:spPr>
+      <a:ln w="19050" cap="rnd">
+        <a:solidFill>
+          <a:schemeClr val="phClr"/>
+        </a:solidFill>
+        <a:prstDash val="sysDot"/>
+      </a:ln>
+    </cs:spPr>
+  </cs:trendline>
+  <cs:trendlineLabel>
+    <cs:lnRef idx="0"/>
+    <cs:fillRef idx="0"/>
+    <cs:effectRef idx="0"/>
+    <cs:fontRef idx="minor">
+      <a:schemeClr val="tx1">
+        <a:lumMod val="65000"/>
+        <a:lumOff val="35000"/>
+      </a:schemeClr>
+    </cs:fontRef>
+    <cs:defRPr sz="900" kern="1200"/>
+  </cs:trendlineLabel>
+  <cs:upBar>
+    <cs:lnRef idx="0"/>
+    <cs:fillRef idx="0"/>
+    <cs:effectRef idx="0"/>
+    <cs:fontRef idx="minor">
+      <a:schemeClr val="dk1"/>
+    </cs:fontRef>
+    <cs:spPr>
+      <a:solidFill>
+        <a:schemeClr val="lt1"/>
+      </a:solidFill>
+      <a:ln w="9525">
+        <a:solidFill>
+          <a:schemeClr val="tx1">
+            <a:lumMod val="15000"/>
+            <a:lumOff val="85000"/>
+          </a:schemeClr>
+        </a:solidFill>
+      </a:ln>
+    </cs:spPr>
+  </cs:upBar>
+  <cs:valueAxis>
+    <cs:lnRef idx="0"/>
+    <cs:fillRef idx="0"/>
+    <cs:effectRef idx="0"/>
+    <cs:fontRef idx="minor">
+      <a:schemeClr val="tx1">
+        <a:lumMod val="65000"/>
+        <a:lumOff val="35000"/>
+      </a:schemeClr>
+    </cs:fontRef>
+    <cs:defRPr sz="900" kern="1200"/>
+  </cs:valueAxis>
+  <cs:wall>
+    <cs:lnRef idx="0"/>
+    <cs:fillRef idx="0"/>
+    <cs:effectRef idx="0"/>
+    <cs:fontRef idx="minor">
+      <a:schemeClr val="tx1"/>
+    </cs:fontRef>
+    <cs:spPr>
+      <a:noFill/>
+      <a:ln>
+        <a:noFill/>
+      </a:ln>
+    </cs:spPr>
+  </cs:wall>
+</cs:chartStyle>
+</file>
+
+<file path=ppt/charts/style2.xml><?xml version="1.0" encoding="utf-8"?>
+<cs:chartStyle xmlns:cs="http://schemas.microsoft.com/office/drawing/2012/chartStyle" xmlns:a="http://schemas.openxmlformats.org/drawingml/2006/main" id="227">
+  <cs:axisTitle>
+    <cs:lnRef idx="0"/>
+    <cs:fillRef idx="0"/>
+    <cs:effectRef idx="0"/>
+    <cs:fontRef idx="minor">
+      <a:schemeClr val="tx1">
+        <a:lumMod val="65000"/>
+        <a:lumOff val="35000"/>
+      </a:schemeClr>
+    </cs:fontRef>
+    <cs:defRPr sz="1000" kern="1200"/>
+  </cs:axisTitle>
+  <cs:categoryAxis>
+    <cs:lnRef idx="0"/>
+    <cs:fillRef idx="0"/>
+    <cs:effectRef idx="0"/>
+    <cs:fontRef idx="minor">
+      <a:schemeClr val="tx1">
+        <a:lumMod val="65000"/>
+        <a:lumOff val="35000"/>
+      </a:schemeClr>
+    </cs:fontRef>
+    <cs:spPr>
+      <a:ln w="9525" cap="flat" cmpd="sng" algn="ctr">
+        <a:solidFill>
+          <a:schemeClr val="tx1">
+            <a:lumMod val="15000"/>
+            <a:lumOff val="85000"/>
+          </a:schemeClr>
+        </a:solidFill>
+        <a:round/>
+      </a:ln>
+    </cs:spPr>
+    <cs:defRPr sz="900" kern="1200"/>
+  </cs:categoryAxis>
+  <cs:chartArea mods="allowNoFillOverride allowNoLineOverride">
+    <cs:lnRef idx="0"/>
+    <cs:fillRef idx="0"/>
+    <cs:effectRef idx="0"/>
+    <cs:fontRef idx="minor">
+      <a:schemeClr val="tx1"/>
+    </cs:fontRef>
+    <cs:spPr>
+      <a:solidFill>
+        <a:schemeClr val="bg1"/>
+      </a:solidFill>
+      <a:ln w="9525" cap="flat" cmpd="sng" algn="ctr">
+        <a:solidFill>
+          <a:schemeClr val="tx1">
+            <a:lumMod val="15000"/>
+            <a:lumOff val="85000"/>
+          </a:schemeClr>
+        </a:solidFill>
+        <a:round/>
+      </a:ln>
+    </cs:spPr>
+    <cs:defRPr sz="1000" kern="1200"/>
+  </cs:chartArea>
+  <cs:dataLabel>
+    <cs:lnRef idx="0"/>
+    <cs:fillRef idx="0"/>
+    <cs:effectRef idx="0"/>
+    <cs:fontRef idx="minor">
+      <a:schemeClr val="tx1">
+        <a:lumMod val="75000"/>
+        <a:lumOff val="25000"/>
+      </a:schemeClr>
+    </cs:fontRef>
+    <cs:defRPr sz="900" kern="1200"/>
+  </cs:dataLabel>
+  <cs:dataLabelCallout>
+    <cs:lnRef idx="0"/>
+    <cs:fillRef idx="0"/>
+    <cs:effectRef idx="0"/>
+    <cs:fontRef idx="minor">
+      <a:schemeClr val="dk1">
+        <a:lumMod val="65000"/>
+        <a:lumOff val="35000"/>
+      </a:schemeClr>
+    </cs:fontRef>
+    <cs:spPr>
+      <a:solidFill>
+        <a:schemeClr val="lt1"/>
+      </a:solidFill>
+      <a:ln>
+        <a:solidFill>
+          <a:schemeClr val="dk1">
+            <a:lumMod val="25000"/>
+            <a:lumOff val="75000"/>
+          </a:schemeClr>
+        </a:solidFill>
+      </a:ln>
+    </cs:spPr>
+    <cs:defRPr sz="900" kern="1200"/>
+    <cs:bodyPr rot="0" spcFirstLastPara="1" vertOverflow="clip" horzOverflow="clip" vert="horz" wrap="square" lIns="36576" tIns="18288" rIns="36576" bIns="18288" anchor="ctr" anchorCtr="1">
+      <a:spAutoFit/>
+    </cs:bodyPr>
+  </cs:dataLabelCallout>
+  <cs:dataPoint>
+    <cs:lnRef idx="0"/>
+    <cs:fillRef idx="1">
+      <cs:styleClr val="auto"/>
+    </cs:fillRef>
+    <cs:effectRef idx="0"/>
+    <cs:fontRef idx="minor">
+      <a:schemeClr val="tx1"/>
+    </cs:fontRef>
+    <cs:spPr>
+      <a:solidFill>
+        <a:schemeClr val="phClr"/>
+      </a:solidFill>
+    </cs:spPr>
+  </cs:dataPoint>
+  <cs:dataPoint3D>
+    <cs:lnRef idx="0"/>
+    <cs:fillRef idx="1">
+      <cs:styleClr val="auto"/>
+    </cs:fillRef>
+    <cs:effectRef idx="0"/>
+    <cs:fontRef idx="minor">
+      <a:schemeClr val="tx1"/>
+    </cs:fontRef>
+    <cs:spPr>
+      <a:solidFill>
+        <a:schemeClr val="phClr"/>
+      </a:solidFill>
+    </cs:spPr>
+  </cs:dataPoint3D>
+  <cs:dataPointLine>
+    <cs:lnRef idx="0">
+      <cs:styleClr val="auto"/>
+    </cs:lnRef>
+    <cs:fillRef idx="1"/>
+    <cs:effectRef idx="0"/>
+    <cs:fontRef idx="minor">
+      <a:schemeClr val="tx1"/>
+    </cs:fontRef>
+    <cs:spPr>
+      <a:ln w="28575" cap="rnd">
+        <a:solidFill>
+          <a:schemeClr val="phClr"/>
+        </a:solidFill>
+        <a:round/>
+      </a:ln>
+    </cs:spPr>
+  </cs:dataPointLine>
+  <cs:dataPointMarker>
+    <cs:lnRef idx="0">
+      <cs:styleClr val="auto"/>
+    </cs:lnRef>
+    <cs:fillRef idx="1">
+      <cs:styleClr val="auto"/>
+    </cs:fillRef>
+    <cs:effectRef idx="0"/>
+    <cs:fontRef idx="minor">
+      <a:schemeClr val="tx1"/>
+    </cs:fontRef>
+    <cs:spPr>
+      <a:solidFill>
+        <a:schemeClr val="phClr"/>
+      </a:solidFill>
+      <a:ln w="9525">
+        <a:solidFill>
+          <a:schemeClr val="phClr"/>
+        </a:solidFill>
+      </a:ln>
+    </cs:spPr>
+  </cs:dataPointMarker>
+  <cs:dataPointMarkerLayout symbol="circle" size="5"/>
+  <cs:dataPointWireframe>
+    <cs:lnRef idx="0">
+      <cs:styleClr val="auto"/>
+    </cs:lnRef>
+    <cs:fillRef idx="1"/>
+    <cs:effectRef idx="0"/>
+    <cs:fontRef idx="minor">
+      <a:schemeClr val="tx1"/>
+    </cs:fontRef>
+    <cs:spPr>
+      <a:ln w="9525" cap="rnd">
+        <a:solidFill>
+          <a:schemeClr val="phClr"/>
+        </a:solidFill>
+        <a:round/>
+      </a:ln>
+    </cs:spPr>
+  </cs:dataPointWireframe>
+  <cs:dataTable>
+    <cs:lnRef idx="0"/>
+    <cs:fillRef idx="0"/>
+    <cs:effectRef idx="0"/>
+    <cs:fontRef idx="minor">
+      <a:schemeClr val="tx1">
+        <a:lumMod val="65000"/>
+        <a:lumOff val="35000"/>
+      </a:schemeClr>
+    </cs:fontRef>
+    <cs:spPr>
+      <a:noFill/>
+      <a:ln w="9525" cap="flat" cmpd="sng" algn="ctr">
+        <a:solidFill>
+          <a:schemeClr val="tx1">
+            <a:lumMod val="15000"/>
+            <a:lumOff val="85000"/>
+          </a:schemeClr>
+        </a:solidFill>
+        <a:round/>
+      </a:ln>
+    </cs:spPr>
+    <cs:defRPr sz="900" kern="1200"/>
+  </cs:dataTable>
+  <cs:downBar>
+    <cs:lnRef idx="0"/>
+    <cs:fillRef idx="0"/>
+    <cs:effectRef idx="0"/>
+    <cs:fontRef idx="minor">
+      <a:schemeClr val="dk1"/>
+    </cs:fontRef>
+    <cs:spPr>
+      <a:solidFill>
+        <a:schemeClr val="dk1">
+          <a:lumMod val="65000"/>
+          <a:lumOff val="35000"/>
+        </a:schemeClr>
+      </a:solidFill>
+      <a:ln w="9525">
+        <a:solidFill>
+          <a:schemeClr val="tx1">
+            <a:lumMod val="65000"/>
+            <a:lumOff val="35000"/>
+          </a:schemeClr>
+        </a:solidFill>
+      </a:ln>
+    </cs:spPr>
+  </cs:downBar>
+  <cs:dropLine>
+    <cs:lnRef idx="0"/>
+    <cs:fillRef idx="0"/>
+    <cs:effectRef idx="0"/>
+    <cs:fontRef idx="minor">
+      <a:schemeClr val="tx1"/>
+    </cs:fontRef>
+    <cs:spPr>
+      <a:ln w="9525" cap="flat" cmpd="sng" algn="ctr">
+        <a:solidFill>
+          <a:schemeClr val="tx1">
+            <a:lumMod val="35000"/>
+            <a:lumOff val="65000"/>
+          </a:schemeClr>
+        </a:solidFill>
+        <a:round/>
+      </a:ln>
+    </cs:spPr>
+  </cs:dropLine>
+  <cs:errorBar>
+    <cs:lnRef idx="0"/>
+    <cs:fillRef idx="0"/>
+    <cs:effectRef idx="0"/>
+    <cs:fontRef idx="minor">
+      <a:schemeClr val="tx1"/>
+    </cs:fontRef>
+    <cs:spPr>
+      <a:ln w="9525" cap="flat" cmpd="sng" algn="ctr">
+        <a:solidFill>
+          <a:schemeClr val="tx1">
+            <a:lumMod val="65000"/>
+            <a:lumOff val="35000"/>
+          </a:schemeClr>
+        </a:solidFill>
+        <a:round/>
+      </a:ln>
+    </cs:spPr>
+  </cs:errorBar>
+  <cs:floor>
+    <cs:lnRef idx="0"/>
+    <cs:fillRef idx="0"/>
+    <cs:effectRef idx="0"/>
+    <cs:fontRef idx="minor">
+      <a:schemeClr val="tx1"/>
+    </cs:fontRef>
+    <cs:spPr>
+      <a:noFill/>
+      <a:ln>
+        <a:noFill/>
+      </a:ln>
+    </cs:spPr>
+  </cs:floor>
+  <cs:gridlineMajor>
+    <cs:lnRef idx="0"/>
+    <cs:fillRef idx="0"/>
+    <cs:effectRef idx="0"/>
+    <cs:fontRef idx="minor">
+      <a:schemeClr val="tx1"/>
+    </cs:fontRef>
+    <cs:spPr>
+      <a:ln w="9525" cap="flat" cmpd="sng" algn="ctr">
+        <a:solidFill>
+          <a:schemeClr val="tx1">
+            <a:lumMod val="15000"/>
+            <a:lumOff val="85000"/>
+          </a:schemeClr>
+        </a:solidFill>
+        <a:round/>
+      </a:ln>
+    </cs:spPr>
+  </cs:gridlineMajor>
+  <cs:gridlineMinor>
+    <cs:lnRef idx="0"/>
+    <cs:fillRef idx="0"/>
+    <cs:effectRef idx="0"/>
+    <cs:fontRef idx="minor">
+      <a:schemeClr val="tx1"/>
+    </cs:fontRef>
+    <cs:spPr>
+      <a:ln w="9525" cap="flat" cmpd="sng" algn="ctr">
+        <a:solidFill>
+          <a:schemeClr val="tx1">
+            <a:lumMod val="5000"/>
+            <a:lumOff val="95000"/>
+          </a:schemeClr>
+        </a:solidFill>
+        <a:round/>
+      </a:ln>
+    </cs:spPr>
+  </cs:gridlineMinor>
+  <cs:hiLoLine>
+    <cs:lnRef idx="0"/>
+    <cs:fillRef idx="0"/>
+    <cs:effectRef idx="0"/>
+    <cs:fontRef idx="minor">
+      <a:schemeClr val="tx1"/>
+    </cs:fontRef>
+    <cs:spPr>
+      <a:ln w="9525" cap="flat" cmpd="sng" algn="ctr">
+        <a:solidFill>
+          <a:schemeClr val="tx1">
+            <a:lumMod val="75000"/>
+            <a:lumOff val="25000"/>
+          </a:schemeClr>
+        </a:solidFill>
+        <a:round/>
+      </a:ln>
+    </cs:spPr>
+  </cs:hiLoLine>
+  <cs:leaderLine>
+    <cs:lnRef idx="0"/>
+    <cs:fillRef idx="0"/>
+    <cs:effectRef idx="0"/>
+    <cs:fontRef idx="minor">
+      <a:schemeClr val="tx1"/>
+    </cs:fontRef>
+    <cs:spPr>
+      <a:ln w="9525" cap="flat" cmpd="sng" algn="ctr">
+        <a:solidFill>
+          <a:schemeClr val="tx1">
+            <a:lumMod val="35000"/>
+            <a:lumOff val="65000"/>
+          </a:schemeClr>
+        </a:solidFill>
+        <a:round/>
+      </a:ln>
+    </cs:spPr>
+  </cs:leaderLine>
+  <cs:legend>
+    <cs:lnRef idx="0"/>
+    <cs:fillRef idx="0"/>
+    <cs:effectRef idx="0"/>
+    <cs:fontRef idx="minor">
+      <a:schemeClr val="tx1">
+        <a:lumMod val="65000"/>
+        <a:lumOff val="35000"/>
+      </a:schemeClr>
+    </cs:fontRef>
+    <cs:defRPr sz="900" kern="1200"/>
+  </cs:legend>
+  <cs:plotArea mods="allowNoFillOverride allowNoLineOverride">
+    <cs:lnRef idx="0"/>
+    <cs:fillRef idx="0"/>
+    <cs:effectRef idx="0"/>
+    <cs:fontRef idx="minor">
+      <a:schemeClr val="tx1"/>
+    </cs:fontRef>
+  </cs:plotArea>
+  <cs:plotArea3D mods="allowNoFillOverride allowNoLineOverride">
+    <cs:lnRef idx="0"/>
+    <cs:fillRef idx="0"/>
+    <cs:effectRef idx="0"/>
+    <cs:fontRef idx="minor">
+      <a:schemeClr val="tx1"/>
+    </cs:fontRef>
+  </cs:plotArea3D>
+  <cs:seriesAxis>
+    <cs:lnRef idx="0"/>
+    <cs:fillRef idx="0"/>
+    <cs:effectRef idx="0"/>
+    <cs:fontRef idx="minor">
+      <a:schemeClr val="tx1">
+        <a:lumMod val="65000"/>
+        <a:lumOff val="35000"/>
+      </a:schemeClr>
+    </cs:fontRef>
+    <cs:defRPr sz="900" kern="1200"/>
+  </cs:seriesAxis>
+  <cs:seriesLine>
+    <cs:lnRef idx="0"/>
+    <cs:fillRef idx="0"/>
+    <cs:effectRef idx="0"/>
+    <cs:fontRef idx="minor">
+      <a:schemeClr val="tx1"/>
+    </cs:fontRef>
+    <cs:spPr>
+      <a:ln w="9525" cap="flat" cmpd="sng" algn="ctr">
+        <a:solidFill>
+          <a:schemeClr val="tx1">
+            <a:lumMod val="35000"/>
+            <a:lumOff val="65000"/>
+          </a:schemeClr>
+        </a:solidFill>
+        <a:round/>
+      </a:ln>
+    </cs:spPr>
+  </cs:seriesLine>
+  <cs:title>
+    <cs:lnRef idx="0"/>
+    <cs:fillRef idx="0"/>
+    <cs:effectRef idx="0"/>
+    <cs:fontRef idx="minor">
+      <a:schemeClr val="tx1">
+        <a:lumMod val="65000"/>
+        <a:lumOff val="35000"/>
+      </a:schemeClr>
+    </cs:fontRef>
+    <cs:defRPr sz="1400" b="0" kern="1200" spc="0" baseline="0"/>
+  </cs:title>
+  <cs:trendline>
+    <cs:lnRef idx="0">
+      <cs:styleClr val="auto"/>
+    </cs:lnRef>
+    <cs:fillRef idx="0"/>
+    <cs:effectRef idx="0"/>
+    <cs:fontRef idx="minor">
+      <a:schemeClr val="tx1"/>
+    </cs:fontRef>
+    <cs:spPr>
+      <a:ln w="19050" cap="rnd">
+        <a:solidFill>
+          <a:schemeClr val="phClr"/>
+        </a:solidFill>
+        <a:prstDash val="sysDot"/>
+      </a:ln>
+    </cs:spPr>
+  </cs:trendline>
+  <cs:trendlineLabel>
+    <cs:lnRef idx="0"/>
+    <cs:fillRef idx="0"/>
+    <cs:effectRef idx="0"/>
+    <cs:fontRef idx="minor">
+      <a:schemeClr val="tx1">
+        <a:lumMod val="65000"/>
+        <a:lumOff val="35000"/>
+      </a:schemeClr>
+    </cs:fontRef>
+    <cs:defRPr sz="900" kern="1200"/>
+  </cs:trendlineLabel>
+  <cs:upBar>
+    <cs:lnRef idx="0"/>
+    <cs:fillRef idx="0"/>
+    <cs:effectRef idx="0"/>
+    <cs:fontRef idx="minor">
+      <a:schemeClr val="dk1"/>
+    </cs:fontRef>
+    <cs:spPr>
+      <a:solidFill>
+        <a:schemeClr val="lt1"/>
+      </a:solidFill>
+      <a:ln w="9525">
+        <a:solidFill>
+          <a:schemeClr val="tx1">
+            <a:lumMod val="15000"/>
+            <a:lumOff val="85000"/>
+          </a:schemeClr>
+        </a:solidFill>
+      </a:ln>
+    </cs:spPr>
+  </cs:upBar>
+  <cs:valueAxis>
+    <cs:lnRef idx="0"/>
+    <cs:fillRef idx="0"/>
+    <cs:effectRef idx="0"/>
+    <cs:fontRef idx="minor">
+      <a:schemeClr val="tx1">
+        <a:lumMod val="65000"/>
+        <a:lumOff val="35000"/>
+      </a:schemeClr>
+    </cs:fontRef>
+    <cs:defRPr sz="900" kern="1200"/>
+  </cs:valueAxis>
+  <cs:wall>
+    <cs:lnRef idx="0"/>
+    <cs:fillRef idx="0"/>
+    <cs:effectRef idx="0"/>
+    <cs:fontRef idx="minor">
+      <a:schemeClr val="tx1"/>
+    </cs:fontRef>
+    <cs:spPr>
+      <a:noFill/>
+      <a:ln>
+        <a:noFill/>
+      </a:ln>
+    </cs:spPr>
+  </cs:wall>
+</cs:chartStyle>
+</file>
+
 <file path=ppt/slideLayouts/slideLayout1.xml><?xml version="1.0" encoding="utf-8"?>
-<p:sldLayout xmlns:a="http://schemas.openxmlformats.org/drawingml/2006/main" xmlns:r="http://schemas.openxmlformats.org/officeDocument/2006/relationships" xmlns:p="http://schemas.openxmlformats.org/presentationml/2006/main" showMasterSp="0" type="title" preserve="1">
+<p:sldLayout xmlns:a="http://schemas.openxmlformats.org/drawingml/2006/main" xmlns:r="http://schemas.openxmlformats.org/officeDocument/2006/relationships" xmlns:p="http://schemas.openxmlformats.org/presentationml/2006/main" type="title" preserve="1" showMasterSp="0">
   <p:cSld name="Title Slide">
     <p:bg>
       <p:bgPr>
@@ -287,7 +2145,6 @@
           <a:p>
             <a:fld id="{6F77CB6E-5115-4DFD-890A-9A1E8024084D}" type="datetimeFigureOut">
               <a:rPr lang="id-ID" smtClean="0"/>
-              <a:t>12/10/2017</a:t>
             </a:fld>
             <a:endParaRPr lang="id-ID"/>
           </a:p>
@@ -355,7 +2212,6 @@
           <a:p>
             <a:fld id="{DE41E212-19EB-4F8C-A5EE-67D88AD6FDE3}" type="slidenum">
               <a:rPr lang="id-ID" smtClean="0"/>
-              <a:t>‹#›</a:t>
             </a:fld>
             <a:endParaRPr lang="id-ID"/>
           </a:p>
@@ -426,8 +2282,6 @@
               <a:noFill/>
               <a:prstDash val="solid"/>
               <a:round/>
-              <a:headEnd/>
-              <a:tailEnd/>
             </a:ln>
           </p:spPr>
         </p:sp>
@@ -484,18 +2338,11 @@
               <a:noFill/>
               <a:prstDash val="solid"/>
               <a:round/>
-              <a:headEnd/>
-              <a:tailEnd/>
             </a:ln>
           </p:spPr>
         </p:sp>
       </p:grpSp>
     </p:spTree>
-    <p:extLst>
-      <p:ext uri="{BB962C8B-B14F-4D97-AF65-F5344CB8AC3E}">
-        <p14:creationId xmlns:p14="http://schemas.microsoft.com/office/powerpoint/2010/main" val="420012956"/>
-      </p:ext>
-    </p:extLst>
   </p:cSld>
   <p:clrMapOvr>
     <a:overrideClrMapping bg1="lt1" tx1="dk1" bg2="lt2" tx2="dk2" accent1="accent1" accent2="accent2" accent3="accent3" accent4="accent4" accent5="accent5" accent6="accent6" hlink="hlink" folHlink="folHlink"/>
@@ -568,6 +2415,7 @@
               <a:rPr lang="en-US" smtClean="0"/>
               <a:t>Click to edit Master text styles</a:t>
             </a:r>
+            <a:endParaRPr lang="en-US" smtClean="0"/>
           </a:p>
           <a:p>
             <a:pPr lvl="1"/>
@@ -575,6 +2423,7 @@
               <a:rPr lang="en-US" smtClean="0"/>
               <a:t>Second level</a:t>
             </a:r>
+            <a:endParaRPr lang="en-US" smtClean="0"/>
           </a:p>
           <a:p>
             <a:pPr lvl="2"/>
@@ -582,6 +2431,7 @@
               <a:rPr lang="en-US" smtClean="0"/>
               <a:t>Third level</a:t>
             </a:r>
+            <a:endParaRPr lang="en-US" smtClean="0"/>
           </a:p>
           <a:p>
             <a:pPr lvl="3"/>
@@ -589,6 +2439,7 @@
               <a:rPr lang="en-US" smtClean="0"/>
               <a:t>Fourth level</a:t>
             </a:r>
+            <a:endParaRPr lang="en-US" smtClean="0"/>
           </a:p>
           <a:p>
             <a:pPr lvl="4"/>
@@ -617,7 +2468,6 @@
           <a:p>
             <a:fld id="{6F77CB6E-5115-4DFD-890A-9A1E8024084D}" type="datetimeFigureOut">
               <a:rPr lang="id-ID" smtClean="0"/>
-              <a:t>12/10/2017</a:t>
             </a:fld>
             <a:endParaRPr lang="id-ID"/>
           </a:p>
@@ -659,18 +2509,12 @@
           <a:p>
             <a:fld id="{DE41E212-19EB-4F8C-A5EE-67D88AD6FDE3}" type="slidenum">
               <a:rPr lang="id-ID" smtClean="0"/>
-              <a:t>‹#›</a:t>
             </a:fld>
             <a:endParaRPr lang="id-ID"/>
           </a:p>
         </p:txBody>
       </p:sp>
     </p:spTree>
-    <p:extLst>
-      <p:ext uri="{BB962C8B-B14F-4D97-AF65-F5344CB8AC3E}">
-        <p14:creationId xmlns:p14="http://schemas.microsoft.com/office/powerpoint/2010/main" val="2903092251"/>
-      </p:ext>
-    </p:extLst>
   </p:cSld>
   <p:clrMapOvr>
     <a:masterClrMapping/>
@@ -748,6 +2592,7 @@
               <a:rPr lang="en-US" smtClean="0"/>
               <a:t>Click to edit Master text styles</a:t>
             </a:r>
+            <a:endParaRPr lang="en-US" smtClean="0"/>
           </a:p>
           <a:p>
             <a:pPr lvl="1"/>
@@ -755,6 +2600,7 @@
               <a:rPr lang="en-US" smtClean="0"/>
               <a:t>Second level</a:t>
             </a:r>
+            <a:endParaRPr lang="en-US" smtClean="0"/>
           </a:p>
           <a:p>
             <a:pPr lvl="2"/>
@@ -762,6 +2608,7 @@
               <a:rPr lang="en-US" smtClean="0"/>
               <a:t>Third level</a:t>
             </a:r>
+            <a:endParaRPr lang="en-US" smtClean="0"/>
           </a:p>
           <a:p>
             <a:pPr lvl="3"/>
@@ -769,6 +2616,7 @@
               <a:rPr lang="en-US" smtClean="0"/>
               <a:t>Fourth level</a:t>
             </a:r>
+            <a:endParaRPr lang="en-US" smtClean="0"/>
           </a:p>
           <a:p>
             <a:pPr lvl="4"/>
@@ -797,7 +2645,6 @@
           <a:p>
             <a:fld id="{6F77CB6E-5115-4DFD-890A-9A1E8024084D}" type="datetimeFigureOut">
               <a:rPr lang="id-ID" smtClean="0"/>
-              <a:t>12/10/2017</a:t>
             </a:fld>
             <a:endParaRPr lang="id-ID"/>
           </a:p>
@@ -839,18 +2686,12 @@
           <a:p>
             <a:fld id="{DE41E212-19EB-4F8C-A5EE-67D88AD6FDE3}" type="slidenum">
               <a:rPr lang="id-ID" smtClean="0"/>
-              <a:t>‹#›</a:t>
             </a:fld>
             <a:endParaRPr lang="id-ID"/>
           </a:p>
         </p:txBody>
       </p:sp>
     </p:spTree>
-    <p:extLst>
-      <p:ext uri="{BB962C8B-B14F-4D97-AF65-F5344CB8AC3E}">
-        <p14:creationId xmlns:p14="http://schemas.microsoft.com/office/powerpoint/2010/main" val="1814991270"/>
-      </p:ext>
-    </p:extLst>
   </p:cSld>
   <p:clrMapOvr>
     <a:masterClrMapping/>
@@ -918,6 +2759,7 @@
               <a:rPr lang="en-US" smtClean="0"/>
               <a:t>Click to edit Master text styles</a:t>
             </a:r>
+            <a:endParaRPr lang="en-US" smtClean="0"/>
           </a:p>
           <a:p>
             <a:pPr lvl="1"/>
@@ -925,6 +2767,7 @@
               <a:rPr lang="en-US" smtClean="0"/>
               <a:t>Second level</a:t>
             </a:r>
+            <a:endParaRPr lang="en-US" smtClean="0"/>
           </a:p>
           <a:p>
             <a:pPr lvl="2"/>
@@ -932,6 +2775,7 @@
               <a:rPr lang="en-US" smtClean="0"/>
               <a:t>Third level</a:t>
             </a:r>
+            <a:endParaRPr lang="en-US" smtClean="0"/>
           </a:p>
           <a:p>
             <a:pPr lvl="3"/>
@@ -939,6 +2783,7 @@
               <a:rPr lang="en-US" smtClean="0"/>
               <a:t>Fourth level</a:t>
             </a:r>
+            <a:endParaRPr lang="en-US" smtClean="0"/>
           </a:p>
           <a:p>
             <a:pPr lvl="4"/>
@@ -967,7 +2812,6 @@
           <a:p>
             <a:fld id="{6F77CB6E-5115-4DFD-890A-9A1E8024084D}" type="datetimeFigureOut">
               <a:rPr lang="id-ID" smtClean="0"/>
-              <a:t>12/10/2017</a:t>
             </a:fld>
             <a:endParaRPr lang="id-ID"/>
           </a:p>
@@ -1009,18 +2853,12 @@
           <a:p>
             <a:fld id="{DE41E212-19EB-4F8C-A5EE-67D88AD6FDE3}" type="slidenum">
               <a:rPr lang="id-ID" smtClean="0"/>
-              <a:t>‹#›</a:t>
             </a:fld>
             <a:endParaRPr lang="id-ID"/>
           </a:p>
         </p:txBody>
       </p:sp>
     </p:spTree>
-    <p:extLst>
-      <p:ext uri="{BB962C8B-B14F-4D97-AF65-F5344CB8AC3E}">
-        <p14:creationId xmlns:p14="http://schemas.microsoft.com/office/powerpoint/2010/main" val="3056219971"/>
-      </p:ext>
-    </p:extLst>
   </p:cSld>
   <p:clrMapOvr>
     <a:masterClrMapping/>
@@ -1029,7 +2867,7 @@
 </file>
 
 <file path=ppt/slideLayouts/slideLayout3.xml><?xml version="1.0" encoding="utf-8"?>
-<p:sldLayout xmlns:a="http://schemas.openxmlformats.org/drawingml/2006/main" xmlns:r="http://schemas.openxmlformats.org/officeDocument/2006/relationships" xmlns:p="http://schemas.openxmlformats.org/presentationml/2006/main" showMasterSp="0" type="secHead" preserve="1">
+<p:sldLayout xmlns:a="http://schemas.openxmlformats.org/drawingml/2006/main" xmlns:r="http://schemas.openxmlformats.org/officeDocument/2006/relationships" xmlns:p="http://schemas.openxmlformats.org/presentationml/2006/main" type="secHead" preserve="1" showMasterSp="0">
   <p:cSld name="Section Header">
     <p:bg>
       <p:bgRef idx="1001">
@@ -1211,6 +3049,7 @@
               <a:rPr lang="en-US" smtClean="0"/>
               <a:t>Click to edit Master text styles</a:t>
             </a:r>
+            <a:endParaRPr lang="en-US" smtClean="0"/>
           </a:p>
         </p:txBody>
       </p:sp>
@@ -1244,7 +3083,6 @@
           <a:p>
             <a:fld id="{6F77CB6E-5115-4DFD-890A-9A1E8024084D}" type="datetimeFigureOut">
               <a:rPr lang="id-ID" smtClean="0"/>
-              <a:t>12/10/2017</a:t>
             </a:fld>
             <a:endParaRPr lang="id-ID"/>
           </a:p>
@@ -1312,7 +3150,6 @@
           <a:p>
             <a:fld id="{DE41E212-19EB-4F8C-A5EE-67D88AD6FDE3}" type="slidenum">
               <a:rPr lang="id-ID" smtClean="0"/>
-              <a:t>‹#›</a:t>
             </a:fld>
             <a:endParaRPr lang="id-ID"/>
           </a:p>
@@ -1369,17 +3206,10 @@
             <a:noFill/>
             <a:prstDash val="solid"/>
             <a:round/>
-            <a:headEnd/>
-            <a:tailEnd/>
           </a:ln>
         </p:spPr>
       </p:sp>
     </p:spTree>
-    <p:extLst>
-      <p:ext uri="{BB962C8B-B14F-4D97-AF65-F5344CB8AC3E}">
-        <p14:creationId xmlns:p14="http://schemas.microsoft.com/office/powerpoint/2010/main" val="4010892986"/>
-      </p:ext>
-    </p:extLst>
   </p:cSld>
   <p:clrMapOvr>
     <a:overrideClrMapping bg1="dk1" tx1="lt1" bg2="dk2" tx2="lt2" accent1="accent1" accent2="accent2" accent3="accent3" accent4="accent4" accent5="accent5" accent6="accent6" hlink="hlink" folHlink="folHlink"/>
@@ -1496,6 +3326,7 @@
               <a:rPr lang="en-US" smtClean="0"/>
               <a:t>Click to edit Master text styles</a:t>
             </a:r>
+            <a:endParaRPr lang="en-US" smtClean="0"/>
           </a:p>
           <a:p>
             <a:pPr lvl="1"/>
@@ -1503,6 +3334,7 @@
               <a:rPr lang="en-US" smtClean="0"/>
               <a:t>Second level</a:t>
             </a:r>
+            <a:endParaRPr lang="en-US" smtClean="0"/>
           </a:p>
           <a:p>
             <a:pPr lvl="2"/>
@@ -1510,6 +3342,7 @@
               <a:rPr lang="en-US" smtClean="0"/>
               <a:t>Third level</a:t>
             </a:r>
+            <a:endParaRPr lang="en-US" smtClean="0"/>
           </a:p>
           <a:p>
             <a:pPr lvl="3"/>
@@ -1517,6 +3350,7 @@
               <a:rPr lang="en-US" smtClean="0"/>
               <a:t>Fourth level</a:t>
             </a:r>
+            <a:endParaRPr lang="en-US" smtClean="0"/>
           </a:p>
           <a:p>
             <a:pPr lvl="4"/>
@@ -1589,6 +3423,7 @@
               <a:rPr lang="en-US" smtClean="0"/>
               <a:t>Click to edit Master text styles</a:t>
             </a:r>
+            <a:endParaRPr lang="en-US" smtClean="0"/>
           </a:p>
           <a:p>
             <a:pPr lvl="1"/>
@@ -1596,6 +3431,7 @@
               <a:rPr lang="en-US" smtClean="0"/>
               <a:t>Second level</a:t>
             </a:r>
+            <a:endParaRPr lang="en-US" smtClean="0"/>
           </a:p>
           <a:p>
             <a:pPr lvl="2"/>
@@ -1603,6 +3439,7 @@
               <a:rPr lang="en-US" smtClean="0"/>
               <a:t>Third level</a:t>
             </a:r>
+            <a:endParaRPr lang="en-US" smtClean="0"/>
           </a:p>
           <a:p>
             <a:pPr lvl="3"/>
@@ -1610,6 +3447,7 @@
               <a:rPr lang="en-US" smtClean="0"/>
               <a:t>Fourth level</a:t>
             </a:r>
+            <a:endParaRPr lang="en-US" smtClean="0"/>
           </a:p>
           <a:p>
             <a:pPr lvl="4"/>
@@ -1638,7 +3476,6 @@
           <a:p>
             <a:fld id="{6F77CB6E-5115-4DFD-890A-9A1E8024084D}" type="datetimeFigureOut">
               <a:rPr lang="id-ID" smtClean="0"/>
-              <a:t>12/10/2017</a:t>
             </a:fld>
             <a:endParaRPr lang="id-ID"/>
           </a:p>
@@ -1680,18 +3517,12 @@
           <a:p>
             <a:fld id="{DE41E212-19EB-4F8C-A5EE-67D88AD6FDE3}" type="slidenum">
               <a:rPr lang="id-ID" smtClean="0"/>
-              <a:t>‹#›</a:t>
             </a:fld>
             <a:endParaRPr lang="id-ID"/>
           </a:p>
         </p:txBody>
       </p:sp>
     </p:spTree>
-    <p:extLst>
-      <p:ext uri="{BB962C8B-B14F-4D97-AF65-F5344CB8AC3E}">
-        <p14:creationId xmlns:p14="http://schemas.microsoft.com/office/powerpoint/2010/main" val="2191149987"/>
-      </p:ext>
-    </p:extLst>
   </p:cSld>
   <p:clrMapOvr>
     <a:masterClrMapping/>
@@ -1829,6 +3660,7 @@
               <a:rPr lang="en-US" smtClean="0"/>
               <a:t>Click to edit Master text styles</a:t>
             </a:r>
+            <a:endParaRPr lang="en-US" smtClean="0"/>
           </a:p>
         </p:txBody>
       </p:sp>
@@ -1893,6 +3725,7 @@
               <a:rPr lang="en-US" smtClean="0"/>
               <a:t>Click to edit Master text styles</a:t>
             </a:r>
+            <a:endParaRPr lang="en-US" smtClean="0"/>
           </a:p>
           <a:p>
             <a:pPr lvl="1"/>
@@ -1900,6 +3733,7 @@
               <a:rPr lang="en-US" smtClean="0"/>
               <a:t>Second level</a:t>
             </a:r>
+            <a:endParaRPr lang="en-US" smtClean="0"/>
           </a:p>
           <a:p>
             <a:pPr lvl="2"/>
@@ -1907,6 +3741,7 @@
               <a:rPr lang="en-US" smtClean="0"/>
               <a:t>Third level</a:t>
             </a:r>
+            <a:endParaRPr lang="en-US" smtClean="0"/>
           </a:p>
           <a:p>
             <a:pPr lvl="3"/>
@@ -1914,6 +3749,7 @@
               <a:rPr lang="en-US" smtClean="0"/>
               <a:t>Fourth level</a:t>
             </a:r>
+            <a:endParaRPr lang="en-US" smtClean="0"/>
           </a:p>
           <a:p>
             <a:pPr lvl="4"/>
@@ -2002,6 +3838,7 @@
               <a:rPr lang="en-US" smtClean="0"/>
               <a:t>Click to edit Master text styles</a:t>
             </a:r>
+            <a:endParaRPr lang="en-US" smtClean="0"/>
           </a:p>
         </p:txBody>
       </p:sp>
@@ -2066,6 +3903,7 @@
               <a:rPr lang="en-US" smtClean="0"/>
               <a:t>Click to edit Master text styles</a:t>
             </a:r>
+            <a:endParaRPr lang="en-US" smtClean="0"/>
           </a:p>
           <a:p>
             <a:pPr lvl="1"/>
@@ -2073,6 +3911,7 @@
               <a:rPr lang="en-US" smtClean="0"/>
               <a:t>Second level</a:t>
             </a:r>
+            <a:endParaRPr lang="en-US" smtClean="0"/>
           </a:p>
           <a:p>
             <a:pPr lvl="2"/>
@@ -2080,6 +3919,7 @@
               <a:rPr lang="en-US" smtClean="0"/>
               <a:t>Third level</a:t>
             </a:r>
+            <a:endParaRPr lang="en-US" smtClean="0"/>
           </a:p>
           <a:p>
             <a:pPr lvl="3"/>
@@ -2087,6 +3927,7 @@
               <a:rPr lang="en-US" smtClean="0"/>
               <a:t>Fourth level</a:t>
             </a:r>
+            <a:endParaRPr lang="en-US" smtClean="0"/>
           </a:p>
           <a:p>
             <a:pPr lvl="4"/>
@@ -2115,7 +3956,6 @@
           <a:p>
             <a:fld id="{6F77CB6E-5115-4DFD-890A-9A1E8024084D}" type="datetimeFigureOut">
               <a:rPr lang="id-ID" smtClean="0"/>
-              <a:t>12/10/2017</a:t>
             </a:fld>
             <a:endParaRPr lang="id-ID"/>
           </a:p>
@@ -2157,18 +3997,12 @@
           <a:p>
             <a:fld id="{DE41E212-19EB-4F8C-A5EE-67D88AD6FDE3}" type="slidenum">
               <a:rPr lang="id-ID" smtClean="0"/>
-              <a:t>‹#›</a:t>
             </a:fld>
             <a:endParaRPr lang="id-ID"/>
           </a:p>
         </p:txBody>
       </p:sp>
     </p:spTree>
-    <p:extLst>
-      <p:ext uri="{BB962C8B-B14F-4D97-AF65-F5344CB8AC3E}">
-        <p14:creationId xmlns:p14="http://schemas.microsoft.com/office/powerpoint/2010/main" val="3294272069"/>
-      </p:ext>
-    </p:extLst>
   </p:cSld>
   <p:clrMapOvr>
     <a:masterClrMapping/>
@@ -2233,7 +4067,6 @@
           <a:p>
             <a:fld id="{6F77CB6E-5115-4DFD-890A-9A1E8024084D}" type="datetimeFigureOut">
               <a:rPr lang="id-ID" smtClean="0"/>
-              <a:t>12/10/2017</a:t>
             </a:fld>
             <a:endParaRPr lang="id-ID"/>
           </a:p>
@@ -2275,18 +4108,12 @@
           <a:p>
             <a:fld id="{DE41E212-19EB-4F8C-A5EE-67D88AD6FDE3}" type="slidenum">
               <a:rPr lang="id-ID" smtClean="0"/>
-              <a:t>‹#›</a:t>
             </a:fld>
             <a:endParaRPr lang="id-ID"/>
           </a:p>
         </p:txBody>
       </p:sp>
     </p:spTree>
-    <p:extLst>
-      <p:ext uri="{BB962C8B-B14F-4D97-AF65-F5344CB8AC3E}">
-        <p14:creationId xmlns:p14="http://schemas.microsoft.com/office/powerpoint/2010/main" val="3041348177"/>
-      </p:ext>
-    </p:extLst>
   </p:cSld>
   <p:clrMapOvr>
     <a:masterClrMapping/>
@@ -2328,7 +4155,6 @@
           <a:p>
             <a:fld id="{6F77CB6E-5115-4DFD-890A-9A1E8024084D}" type="datetimeFigureOut">
               <a:rPr lang="id-ID" smtClean="0"/>
-              <a:t>12/10/2017</a:t>
             </a:fld>
             <a:endParaRPr lang="id-ID"/>
           </a:p>
@@ -2370,18 +4196,12 @@
           <a:p>
             <a:fld id="{DE41E212-19EB-4F8C-A5EE-67D88AD6FDE3}" type="slidenum">
               <a:rPr lang="id-ID" smtClean="0"/>
-              <a:t>‹#›</a:t>
             </a:fld>
             <a:endParaRPr lang="id-ID"/>
           </a:p>
         </p:txBody>
       </p:sp>
     </p:spTree>
-    <p:extLst>
-      <p:ext uri="{BB962C8B-B14F-4D97-AF65-F5344CB8AC3E}">
-        <p14:creationId xmlns:p14="http://schemas.microsoft.com/office/powerpoint/2010/main" val="3632119471"/>
-      </p:ext>
-    </p:extLst>
   </p:cSld>
   <p:clrMapOvr>
     <a:masterClrMapping/>
@@ -2390,7 +4210,7 @@
 </file>
 
 <file path=ppt/slideLayouts/slideLayout8.xml><?xml version="1.0" encoding="utf-8"?>
-<p:sldLayout xmlns:a="http://schemas.openxmlformats.org/drawingml/2006/main" xmlns:r="http://schemas.openxmlformats.org/officeDocument/2006/relationships" xmlns:p="http://schemas.openxmlformats.org/presentationml/2006/main" showMasterSp="0" type="objTx" preserve="1">
+<p:sldLayout xmlns:a="http://schemas.openxmlformats.org/drawingml/2006/main" xmlns:r="http://schemas.openxmlformats.org/officeDocument/2006/relationships" xmlns:p="http://schemas.openxmlformats.org/presentationml/2006/main" type="objTx" preserve="1" showMasterSp="0">
   <p:cSld name="Content with Caption">
     <p:spTree>
       <p:nvGrpSpPr>
@@ -2538,6 +4358,7 @@
               <a:rPr lang="en-US" smtClean="0"/>
               <a:t>Click to edit Master text styles</a:t>
             </a:r>
+            <a:endParaRPr lang="en-US" smtClean="0"/>
           </a:p>
           <a:p>
             <a:pPr lvl="1"/>
@@ -2545,6 +4366,7 @@
               <a:rPr lang="en-US" smtClean="0"/>
               <a:t>Second level</a:t>
             </a:r>
+            <a:endParaRPr lang="en-US" smtClean="0"/>
           </a:p>
           <a:p>
             <a:pPr lvl="2"/>
@@ -2552,6 +4374,7 @@
               <a:rPr lang="en-US" smtClean="0"/>
               <a:t>Third level</a:t>
             </a:r>
+            <a:endParaRPr lang="en-US" smtClean="0"/>
           </a:p>
           <a:p>
             <a:pPr lvl="3"/>
@@ -2559,6 +4382,7 @@
               <a:rPr lang="en-US" smtClean="0"/>
               <a:t>Fourth level</a:t>
             </a:r>
+            <a:endParaRPr lang="en-US" smtClean="0"/>
           </a:p>
           <a:p>
             <a:pPr lvl="4"/>
@@ -2641,6 +4465,7 @@
               <a:rPr lang="en-US" smtClean="0"/>
               <a:t>Click to edit Master text styles</a:t>
             </a:r>
+            <a:endParaRPr lang="en-US" smtClean="0"/>
           </a:p>
         </p:txBody>
       </p:sp>
@@ -2674,7 +4499,6 @@
           <a:p>
             <a:fld id="{6F77CB6E-5115-4DFD-890A-9A1E8024084D}" type="datetimeFigureOut">
               <a:rPr lang="id-ID" smtClean="0"/>
-              <a:t>12/10/2017</a:t>
             </a:fld>
             <a:endParaRPr lang="id-ID"/>
           </a:p>
@@ -2742,7 +4566,6 @@
           <a:p>
             <a:fld id="{DE41E212-19EB-4F8C-A5EE-67D88AD6FDE3}" type="slidenum">
               <a:rPr lang="id-ID" smtClean="0"/>
-              <a:t>‹#›</a:t>
             </a:fld>
             <a:endParaRPr lang="id-ID"/>
           </a:p>
@@ -2787,11 +4610,6 @@
         </p:style>
       </p:sp>
     </p:spTree>
-    <p:extLst>
-      <p:ext uri="{BB962C8B-B14F-4D97-AF65-F5344CB8AC3E}">
-        <p14:creationId xmlns:p14="http://schemas.microsoft.com/office/powerpoint/2010/main" val="1001054804"/>
-      </p:ext>
-    </p:extLst>
   </p:cSld>
   <p:clrMapOvr>
     <a:masterClrMapping/>
@@ -2800,7 +4618,7 @@
 </file>
 
 <file path=ppt/slideLayouts/slideLayout9.xml><?xml version="1.0" encoding="utf-8"?>
-<p:sldLayout xmlns:a="http://schemas.openxmlformats.org/drawingml/2006/main" xmlns:r="http://schemas.openxmlformats.org/officeDocument/2006/relationships" xmlns:p="http://schemas.openxmlformats.org/presentationml/2006/main" showMasterSp="0" type="picTx" preserve="1">
+<p:sldLayout xmlns:a="http://schemas.openxmlformats.org/drawingml/2006/main" xmlns:r="http://schemas.openxmlformats.org/officeDocument/2006/relationships" xmlns:p="http://schemas.openxmlformats.org/presentationml/2006/main" type="picTx" preserve="1" showMasterSp="0">
   <p:cSld name="Picture with Caption">
     <p:spTree>
       <p:nvGrpSpPr>
@@ -3029,6 +4847,7 @@
               <a:rPr lang="en-US" smtClean="0"/>
               <a:t>Click to edit Master text styles</a:t>
             </a:r>
+            <a:endParaRPr lang="en-US" smtClean="0"/>
           </a:p>
         </p:txBody>
       </p:sp>
@@ -3062,7 +4881,6 @@
           <a:p>
             <a:fld id="{6F77CB6E-5115-4DFD-890A-9A1E8024084D}" type="datetimeFigureOut">
               <a:rPr lang="id-ID" smtClean="0"/>
-              <a:t>12/10/2017</a:t>
             </a:fld>
             <a:endParaRPr lang="id-ID"/>
           </a:p>
@@ -3130,7 +4948,6 @@
           <a:p>
             <a:fld id="{DE41E212-19EB-4F8C-A5EE-67D88AD6FDE3}" type="slidenum">
               <a:rPr lang="id-ID" smtClean="0"/>
-              <a:t>‹#›</a:t>
             </a:fld>
             <a:endParaRPr lang="id-ID"/>
           </a:p>
@@ -3175,11 +4992,6 @@
         </p:style>
       </p:sp>
     </p:spTree>
-    <p:extLst>
-      <p:ext uri="{BB962C8B-B14F-4D97-AF65-F5344CB8AC3E}">
-        <p14:creationId xmlns:p14="http://schemas.microsoft.com/office/powerpoint/2010/main" val="1413159305"/>
-      </p:ext>
-    </p:extLst>
   </p:cSld>
   <p:clrMapOvr>
     <a:masterClrMapping/>
@@ -3275,6 +5087,7 @@
               <a:rPr lang="en-US" smtClean="0"/>
               <a:t>Click to edit Master text styles</a:t>
             </a:r>
+            <a:endParaRPr lang="en-US" smtClean="0"/>
           </a:p>
           <a:p>
             <a:pPr lvl="1"/>
@@ -3282,6 +5095,7 @@
               <a:rPr lang="en-US" smtClean="0"/>
               <a:t>Second level</a:t>
             </a:r>
+            <a:endParaRPr lang="en-US" smtClean="0"/>
           </a:p>
           <a:p>
             <a:pPr lvl="2"/>
@@ -3289,6 +5103,7 @@
               <a:rPr lang="en-US" smtClean="0"/>
               <a:t>Third level</a:t>
             </a:r>
+            <a:endParaRPr lang="en-US" smtClean="0"/>
           </a:p>
           <a:p>
             <a:pPr lvl="3"/>
@@ -3296,6 +5111,7 @@
               <a:rPr lang="en-US" smtClean="0"/>
               <a:t>Fourth level</a:t>
             </a:r>
+            <a:endParaRPr lang="en-US" smtClean="0"/>
           </a:p>
           <a:p>
             <a:pPr lvl="4"/>
@@ -3340,7 +5156,6 @@
           <a:p>
             <a:fld id="{6F77CB6E-5115-4DFD-890A-9A1E8024084D}" type="datetimeFigureOut">
               <a:rPr lang="id-ID" smtClean="0"/>
-              <a:t>12/10/2017</a:t>
             </a:fld>
             <a:endParaRPr lang="id-ID"/>
           </a:p>
@@ -3414,7 +5229,6 @@
           <a:p>
             <a:fld id="{DE41E212-19EB-4F8C-A5EE-67D88AD6FDE3}" type="slidenum">
               <a:rPr lang="id-ID" smtClean="0"/>
-              <a:t>‹#›</a:t>
             </a:fld>
             <a:endParaRPr lang="id-ID"/>
           </a:p>
@@ -3459,25 +5273,20 @@
         </p:style>
       </p:sp>
     </p:spTree>
-    <p:extLst>
-      <p:ext uri="{BB962C8B-B14F-4D97-AF65-F5344CB8AC3E}">
-        <p14:creationId xmlns:p14="http://schemas.microsoft.com/office/powerpoint/2010/main" val="208929060"/>
-      </p:ext>
-    </p:extLst>
   </p:cSld>
   <p:clrMap bg1="lt1" tx1="dk1" bg2="lt2" tx2="dk2" accent1="accent1" accent2="accent2" accent3="accent3" accent4="accent4" accent5="accent5" accent6="accent6" hlink="hlink" folHlink="folHlink"/>
   <p:sldLayoutIdLst>
-    <p:sldLayoutId id="2147483709" r:id="rId1"/>
-    <p:sldLayoutId id="2147483710" r:id="rId2"/>
-    <p:sldLayoutId id="2147483711" r:id="rId3"/>
-    <p:sldLayoutId id="2147483712" r:id="rId4"/>
-    <p:sldLayoutId id="2147483713" r:id="rId5"/>
-    <p:sldLayoutId id="2147483714" r:id="rId6"/>
-    <p:sldLayoutId id="2147483715" r:id="rId7"/>
-    <p:sldLayoutId id="2147483716" r:id="rId8"/>
-    <p:sldLayoutId id="2147483717" r:id="rId9"/>
-    <p:sldLayoutId id="2147483718" r:id="rId10"/>
-    <p:sldLayoutId id="2147483719" r:id="rId11"/>
+    <p:sldLayoutId id="2147483649" r:id="rId1"/>
+    <p:sldLayoutId id="2147483650" r:id="rId2"/>
+    <p:sldLayoutId id="2147483651" r:id="rId3"/>
+    <p:sldLayoutId id="2147483652" r:id="rId4"/>
+    <p:sldLayoutId id="2147483653" r:id="rId5"/>
+    <p:sldLayoutId id="2147483654" r:id="rId6"/>
+    <p:sldLayoutId id="2147483655" r:id="rId7"/>
+    <p:sldLayoutId id="2147483656" r:id="rId8"/>
+    <p:sldLayoutId id="2147483657" r:id="rId9"/>
+    <p:sldLayoutId id="2147483658" r:id="rId10"/>
+    <p:sldLayoutId id="2147483659" r:id="rId11"/>
   </p:sldLayoutIdLst>
   <p:txStyles>
     <p:titleStyle>
@@ -3500,7 +5309,7 @@
       </a:lvl1pPr>
     </p:titleStyle>
     <p:bodyStyle>
-      <a:lvl1pPr marL="384048" indent="-384048" algn="l" defTabSz="914400" rtl="0" eaLnBrk="1" latinLnBrk="0" hangingPunct="1">
+      <a:lvl1pPr marL="384175" indent="-384175" algn="l" defTabSz="914400" rtl="0" eaLnBrk="1" latinLnBrk="0" hangingPunct="1">
         <a:lnSpc>
           <a:spcPct val="94000"/>
         </a:lnSpc>
@@ -3521,7 +5330,7 @@
           <a:cs typeface="+mn-cs"/>
         </a:defRPr>
       </a:lvl1pPr>
-      <a:lvl2pPr marL="914400" indent="-384048" algn="l" defTabSz="914400" rtl="0" eaLnBrk="1" latinLnBrk="0" hangingPunct="1">
+      <a:lvl2pPr marL="914400" indent="-384175" algn="l" defTabSz="914400" rtl="0" eaLnBrk="1" latinLnBrk="0" hangingPunct="1">
         <a:lnSpc>
           <a:spcPct val="94000"/>
         </a:lnSpc>
@@ -3542,7 +5351,7 @@
           <a:cs typeface="+mn-cs"/>
         </a:defRPr>
       </a:lvl2pPr>
-      <a:lvl3pPr marL="1371600" indent="-384048" algn="l" defTabSz="914400" rtl="0" eaLnBrk="1" latinLnBrk="0" hangingPunct="1">
+      <a:lvl3pPr marL="1371600" indent="-384175" algn="l" defTabSz="914400" rtl="0" eaLnBrk="1" latinLnBrk="0" hangingPunct="1">
         <a:lnSpc>
           <a:spcPct val="94000"/>
         </a:lnSpc>
@@ -3563,7 +5372,7 @@
           <a:cs typeface="+mn-cs"/>
         </a:defRPr>
       </a:lvl3pPr>
-      <a:lvl4pPr marL="1828800" indent="-384048" algn="l" defTabSz="914400" rtl="0" eaLnBrk="1" latinLnBrk="0" hangingPunct="1">
+      <a:lvl4pPr marL="1828800" indent="-384175" algn="l" defTabSz="914400" rtl="0" eaLnBrk="1" latinLnBrk="0" hangingPunct="1">
         <a:lnSpc>
           <a:spcPct val="94000"/>
         </a:lnSpc>
@@ -3584,7 +5393,7 @@
           <a:cs typeface="+mn-cs"/>
         </a:defRPr>
       </a:lvl4pPr>
-      <a:lvl5pPr marL="2286000" indent="-384048" algn="l" defTabSz="914400" rtl="0" eaLnBrk="1" latinLnBrk="0" hangingPunct="1">
+      <a:lvl5pPr marL="2286000" indent="-384175" algn="l" defTabSz="914400" rtl="0" eaLnBrk="1" latinLnBrk="0" hangingPunct="1">
         <a:lnSpc>
           <a:spcPct val="94000"/>
         </a:lnSpc>
@@ -3605,7 +5414,7 @@
           <a:cs typeface="+mn-cs"/>
         </a:defRPr>
       </a:lvl5pPr>
-      <a:lvl6pPr marL="2743200" indent="-384048" algn="l" defTabSz="914400" rtl="0" eaLnBrk="1" latinLnBrk="0" hangingPunct="1">
+      <a:lvl6pPr marL="2743200" indent="-384175" algn="l" defTabSz="914400" rtl="0" eaLnBrk="1" latinLnBrk="0" hangingPunct="1">
         <a:lnSpc>
           <a:spcPct val="94000"/>
         </a:lnSpc>
@@ -3626,7 +5435,7 @@
           <a:cs typeface="+mn-cs"/>
         </a:defRPr>
       </a:lvl6pPr>
-      <a:lvl7pPr marL="3200400" indent="-384048" algn="l" defTabSz="914400" rtl="0" eaLnBrk="1" latinLnBrk="0" hangingPunct="1">
+      <a:lvl7pPr marL="3200400" indent="-384175" algn="l" defTabSz="914400" rtl="0" eaLnBrk="1" latinLnBrk="0" hangingPunct="1">
         <a:lnSpc>
           <a:spcPct val="94000"/>
         </a:lnSpc>
@@ -3647,7 +5456,7 @@
           <a:cs typeface="+mn-cs"/>
         </a:defRPr>
       </a:lvl7pPr>
-      <a:lvl8pPr marL="3657600" indent="-384048" algn="l" defTabSz="914400" rtl="0" eaLnBrk="1" latinLnBrk="0" hangingPunct="1">
+      <a:lvl8pPr marL="3657600" indent="-384175" algn="l" defTabSz="914400" rtl="0" eaLnBrk="1" latinLnBrk="0" hangingPunct="1">
         <a:lnSpc>
           <a:spcPct val="94000"/>
         </a:lnSpc>
@@ -3668,7 +5477,7 @@
           <a:cs typeface="+mn-cs"/>
         </a:defRPr>
       </a:lvl8pPr>
-      <a:lvl9pPr marL="4114800" indent="-384048" algn="l" defTabSz="914400" rtl="0" eaLnBrk="1" latinLnBrk="0" hangingPunct="1">
+      <a:lvl9pPr marL="4114800" indent="-384175" algn="l" defTabSz="914400" rtl="0" eaLnBrk="1" latinLnBrk="0" hangingPunct="1">
         <a:lnSpc>
           <a:spcPct val="94000"/>
         </a:lnSpc>
@@ -3786,52 +5595,6 @@
       </a:lvl9pPr>
     </p:otherStyle>
   </p:txStyles>
-  <p:extLst mod="1">
-    <p:ext uri="{27BBF7A9-308A-43DC-89C8-2F10F3537804}">
-      <p15:sldGuideLst xmlns:p15="http://schemas.microsoft.com/office/powerpoint/2012/main">
-        <p15:guide id="4294967295" orient="horz" pos="1368">
-          <p15:clr>
-            <a:srgbClr val="F26B43"/>
-          </p15:clr>
-        </p15:guide>
-        <p15:guide id="4294967295" orient="horz" pos="1440">
-          <p15:clr>
-            <a:srgbClr val="F26B43"/>
-          </p15:clr>
-        </p15:guide>
-        <p15:guide id="4294967295" orient="horz" pos="3696">
-          <p15:clr>
-            <a:srgbClr val="F26B43"/>
-          </p15:clr>
-        </p15:guide>
-        <p15:guide id="4294967295" orient="horz" pos="432">
-          <p15:clr>
-            <a:srgbClr val="F26B43"/>
-          </p15:clr>
-        </p15:guide>
-        <p15:guide id="4294967295" orient="horz" pos="1512">
-          <p15:clr>
-            <a:srgbClr val="F26B43"/>
-          </p15:clr>
-        </p15:guide>
-        <p15:guide id="4294967295" pos="6912">
-          <p15:clr>
-            <a:srgbClr val="F26B43"/>
-          </p15:clr>
-        </p15:guide>
-        <p15:guide id="4294967295" pos="936">
-          <p15:clr>
-            <a:srgbClr val="F26B43"/>
-          </p15:clr>
-        </p15:guide>
-        <p15:guide id="4294967295" pos="864">
-          <p15:clr>
-            <a:srgbClr val="F26B43"/>
-          </p15:clr>
-        </p15:guide>
-      </p15:sldGuideLst>
-    </p:ext>
-  </p:extLst>
 </p:sldMaster>
 </file>
 
@@ -3876,10 +5639,6 @@
               <a:rPr lang="id-ID" sz="3200" b="1" dirty="0"/>
               <a:t>PERANCANGAN DAN SIMULASI </a:t>
             </a:r>
-            <a:r>
-              <a:rPr lang="en-US" sz="3200" b="1" dirty="0" smtClean="0"/>
-              <a:t/>
-            </a:r>
             <a:br>
               <a:rPr lang="en-US" sz="3200" b="1" dirty="0" smtClean="0"/>
             </a:br>
@@ -3894,10 +5653,6 @@
             <a:r>
               <a:rPr lang="id-ID" sz="3200" b="1" dirty="0" smtClean="0"/>
               <a:t>DIGITAL</a:t>
-            </a:r>
-            <a:r>
-              <a:rPr lang="en-US" sz="3200" b="1" dirty="0" smtClean="0"/>
-              <a:t/>
             </a:r>
             <a:br>
               <a:rPr lang="en-US" sz="3200" b="1" dirty="0" smtClean="0"/>
@@ -3962,9 +5717,7 @@
       <p:sp>
         <p:nvSpPr>
           <p:cNvPr id="4" name="Subtitle 2"/>
-          <p:cNvSpPr txBox="1">
-            <a:spLocks/>
-          </p:cNvSpPr>
+          <p:cNvSpPr txBox="1"/>
           <p:nvPr/>
         </p:nvSpPr>
         <p:spPr>
@@ -4184,12 +5937,9 @@
               <a:rPr lang="en-US" dirty="0" smtClean="0"/>
               <a:t> S.T., M.T.</a:t>
             </a:r>
-          </a:p>
-          <a:p>
-            <a:r>
-              <a:rPr lang="en-US" dirty="0" smtClean="0"/>
-              <a:t>1104131113</a:t>
-            </a:r>
+            <a:endParaRPr lang="en-US" dirty="0" smtClean="0"/>
+          </a:p>
+          <a:p>
             <a:endParaRPr lang="id-ID" dirty="0"/>
           </a:p>
         </p:txBody>
@@ -4197,15 +5947,13 @@
       <p:sp>
         <p:nvSpPr>
           <p:cNvPr id="5" name="Subtitle 2"/>
-          <p:cNvSpPr txBox="1">
-            <a:spLocks/>
-          </p:cNvSpPr>
+          <p:cNvSpPr txBox="1"/>
           <p:nvPr/>
         </p:nvSpPr>
         <p:spPr>
           <a:xfrm>
-            <a:off x="6669249" y="4816070"/>
-            <a:ext cx="4507794" cy="850613"/>
+            <a:off x="6135370" y="4815840"/>
+            <a:ext cx="5041900" cy="850900"/>
           </a:xfrm>
           <a:prstGeom prst="rect">
             <a:avLst/>
@@ -4427,12 +6175,9 @@
               <a:rPr lang="en-US" dirty="0" smtClean="0"/>
               <a:t> S.T., M.T.</a:t>
             </a:r>
-          </a:p>
-          <a:p>
-            <a:r>
-              <a:rPr lang="en-US" dirty="0" smtClean="0"/>
-              <a:t>1104131113</a:t>
-            </a:r>
+            <a:endParaRPr lang="en-US" dirty="0" smtClean="0"/>
+          </a:p>
+          <a:p>
             <a:endParaRPr lang="id-ID" dirty="0"/>
           </a:p>
         </p:txBody>
@@ -4440,9 +6185,7 @@
       <p:sp>
         <p:nvSpPr>
           <p:cNvPr id="6" name="Subtitle 2"/>
-          <p:cNvSpPr txBox="1">
-            <a:spLocks/>
-          </p:cNvSpPr>
+          <p:cNvSpPr txBox="1"/>
           <p:nvPr/>
         </p:nvSpPr>
         <p:spPr>
@@ -4652,7 +6395,7 @@
           <a:p>
             <a:r>
               <a:rPr lang="en-US" b="1" dirty="0" err="1" smtClean="0"/>
-              <a:t>Pembimbing</a:t>
+              <a:t>Calon Pembimbing</a:t>
             </a:r>
             <a:r>
               <a:rPr lang="en-US" b="1" dirty="0" smtClean="0"/>
@@ -4665,14 +6408,12 @@
       <p:sp>
         <p:nvSpPr>
           <p:cNvPr id="7" name="Subtitle 2"/>
-          <p:cNvSpPr txBox="1">
-            <a:spLocks/>
-          </p:cNvSpPr>
+          <p:cNvSpPr txBox="1"/>
           <p:nvPr/>
         </p:nvSpPr>
         <p:spPr>
           <a:xfrm>
-            <a:off x="7354447" y="4180644"/>
+            <a:off x="6991227" y="4180644"/>
             <a:ext cx="3330341" cy="850613"/>
           </a:xfrm>
           <a:prstGeom prst="rect">
@@ -4877,7 +6618,7 @@
           <a:p>
             <a:r>
               <a:rPr lang="en-US" b="1" dirty="0" err="1" smtClean="0"/>
-              <a:t>Pembimbing</a:t>
+              <a:t>Calon Pembimbing</a:t>
             </a:r>
             <a:r>
               <a:rPr lang="en-US" b="1" dirty="0" smtClean="0"/>
@@ -4888,11 +6629,6 @@
         </p:txBody>
       </p:sp>
     </p:spTree>
-    <p:extLst>
-      <p:ext uri="{BB962C8B-B14F-4D97-AF65-F5344CB8AC3E}">
-        <p14:creationId xmlns:p14="http://schemas.microsoft.com/office/powerpoint/2010/main" val="1699337063"/>
-      </p:ext>
-    </p:extLst>
   </p:cSld>
   <p:clrMapOvr>
     <a:masterClrMapping/>
@@ -4926,7 +6662,7 @@
       </p:grpSpPr>
       <p:sp>
         <p:nvSpPr>
-          <p:cNvPr id="4" name="Title 3"/>
+          <p:cNvPr id="2" name="Title 1"/>
           <p:cNvSpPr>
             <a:spLocks noGrp="1"/>
           </p:cNvSpPr>
@@ -4941,40 +6677,52 @@
           <a:p>
             <a:r>
               <a:rPr lang="en-US" dirty="0" err="1" smtClean="0"/>
-              <a:t>Terimakasih</a:t>
-            </a:r>
-            <a:endParaRPr lang="id-ID" dirty="0"/>
-          </a:p>
-        </p:txBody>
-      </p:sp>
-      <p:sp>
-        <p:nvSpPr>
-          <p:cNvPr id="5" name="Text Placeholder 4"/>
-          <p:cNvSpPr>
-            <a:spLocks noGrp="1"/>
-          </p:cNvSpPr>
-          <p:nvPr>
-            <p:ph type="body" idx="1"/>
-          </p:nvPr>
-        </p:nvSpPr>
-        <p:spPr/>
-        <p:txBody>
-          <a:bodyPr>
-            <a:normAutofit/>
-          </a:bodyPr>
-          <a:lstStyle/>
-          <a:p>
-            <a:pPr algn="l"/>
-            <a:endParaRPr lang="en-US" dirty="0" smtClean="0"/>
-          </a:p>
-        </p:txBody>
-      </p:sp>
+              <a:t>Progress</a:t>
+            </a:r>
+            <a:br>
+              <a:rPr lang="en-US" dirty="0" err="1" smtClean="0"/>
+            </a:br>
+            <a:r>
+              <a:rPr lang="en-US" dirty="0" err="1" smtClean="0"/>
+              <a:t>Signal I/O signature</a:t>
+            </a:r>
+            <a:endParaRPr lang="en-US" dirty="0" err="1" smtClean="0"/>
+          </a:p>
+        </p:txBody>
+      </p:sp>
+      <p:graphicFrame>
+        <p:nvGraphicFramePr>
+          <p:cNvPr id="9" name="Chart 8"/>
+          <p:cNvGraphicFramePr/>
+          <p:nvPr/>
+        </p:nvGraphicFramePr>
+        <p:xfrm>
+          <a:off x="1069975" y="2285683"/>
+          <a:ext cx="4552950" cy="2743200"/>
+        </p:xfrm>
+        <a:graphic>
+          <a:graphicData uri="http://schemas.openxmlformats.org/drawingml/2006/chart">
+            <c:chart xmlns:c="http://schemas.openxmlformats.org/drawingml/2006/chart" xmlns:r="http://schemas.openxmlformats.org/officeDocument/2006/relationships" r:id="rId1"/>
+          </a:graphicData>
+        </a:graphic>
+      </p:graphicFrame>
+      <p:graphicFrame>
+        <p:nvGraphicFramePr>
+          <p:cNvPr id="10" name="Chart 9"/>
+          <p:cNvGraphicFramePr/>
+          <p:nvPr/>
+        </p:nvGraphicFramePr>
+        <p:xfrm>
+          <a:off x="6844665" y="2285683"/>
+          <a:ext cx="4629150" cy="2743200"/>
+        </p:xfrm>
+        <a:graphic>
+          <a:graphicData uri="http://schemas.openxmlformats.org/drawingml/2006/chart">
+            <c:chart xmlns:c="http://schemas.openxmlformats.org/drawingml/2006/chart" xmlns:r="http://schemas.openxmlformats.org/officeDocument/2006/relationships" r:id="rId2"/>
+          </a:graphicData>
+        </a:graphic>
+      </p:graphicFrame>
     </p:spTree>
-    <p:extLst>
-      <p:ext uri="{BB962C8B-B14F-4D97-AF65-F5344CB8AC3E}">
-        <p14:creationId xmlns:p14="http://schemas.microsoft.com/office/powerpoint/2010/main" val="627429604"/>
-      </p:ext>
-    </p:extLst>
   </p:cSld>
   <p:clrMapOvr>
     <a:masterClrMapping/>
@@ -5008,7 +6756,7 @@
       </p:grpSpPr>
       <p:sp>
         <p:nvSpPr>
-          <p:cNvPr id="2" name="Title 1"/>
+          <p:cNvPr id="4" name="Title 3"/>
           <p:cNvSpPr>
             <a:spLocks noGrp="1"/>
           </p:cNvSpPr>
@@ -5023,7 +6771,7 @@
           <a:p>
             <a:r>
               <a:rPr lang="en-US" dirty="0" err="1" smtClean="0"/>
-              <a:t>Referensi</a:t>
+              <a:t>Terimakasih</a:t>
             </a:r>
             <a:endParaRPr lang="id-ID" dirty="0"/>
           </a:p>
@@ -5031,29 +6779,27 @@
       </p:sp>
       <p:sp>
         <p:nvSpPr>
-          <p:cNvPr id="3" name="Content Placeholder 2"/>
-          <p:cNvSpPr>
-            <a:spLocks noGrp="1"/>
-          </p:cNvSpPr>
-          <p:nvPr>
-            <p:ph idx="1"/>
+          <p:cNvPr id="5" name="Text Placeholder 4"/>
+          <p:cNvSpPr>
+            <a:spLocks noGrp="1"/>
+          </p:cNvSpPr>
+          <p:nvPr>
+            <p:ph type="body" idx="1"/>
           </p:nvPr>
         </p:nvSpPr>
         <p:spPr/>
         <p:txBody>
-          <a:bodyPr/>
+          <a:bodyPr>
+            <a:normAutofit/>
+          </a:bodyPr>
           <a:lstStyle/>
           <a:p>
-            <a:endParaRPr lang="id-ID"/>
+            <a:pPr algn="l"/>
+            <a:endParaRPr lang="en-US" dirty="0" smtClean="0"/>
           </a:p>
         </p:txBody>
       </p:sp>
     </p:spTree>
-    <p:extLst>
-      <p:ext uri="{BB962C8B-B14F-4D97-AF65-F5344CB8AC3E}">
-        <p14:creationId xmlns:p14="http://schemas.microsoft.com/office/powerpoint/2010/main" val="1874947224"/>
-      </p:ext>
-    </p:extLst>
   </p:cSld>
   <p:clrMapOvr>
     <a:masterClrMapping/>
@@ -5087,7 +6833,7 @@
       </p:grpSpPr>
       <p:sp>
         <p:nvSpPr>
-          <p:cNvPr id="4" name="Title 3"/>
+          <p:cNvPr id="2" name="Title 1"/>
           <p:cNvSpPr>
             <a:spLocks noGrp="1"/>
           </p:cNvSpPr>
@@ -5100,13 +6846,17 @@
           <a:bodyPr/>
           <a:lstStyle/>
           <a:p>
+            <a:r>
+              <a:rPr lang="en-US" dirty="0" err="1" smtClean="0"/>
+              <a:t>Referensi</a:t>
+            </a:r>
             <a:endParaRPr lang="id-ID" dirty="0"/>
           </a:p>
         </p:txBody>
       </p:sp>
       <p:sp>
         <p:nvSpPr>
-          <p:cNvPr id="5" name="Content Placeholder 4"/>
+          <p:cNvPr id="3" name="Content Placeholder 2"/>
           <p:cNvSpPr>
             <a:spLocks noGrp="1"/>
           </p:cNvSpPr>
@@ -5119,35 +6869,15 @@
           <a:bodyPr/>
           <a:lstStyle/>
           <a:p>
-            <a:endParaRPr lang="id-ID"/>
-          </a:p>
-        </p:txBody>
-      </p:sp>
-      <p:sp>
-        <p:nvSpPr>
-          <p:cNvPr id="6" name="Text Placeholder 5"/>
-          <p:cNvSpPr>
-            <a:spLocks noGrp="1"/>
-          </p:cNvSpPr>
-          <p:nvPr>
-            <p:ph type="body" sz="half" idx="2"/>
-          </p:nvPr>
-        </p:nvSpPr>
-        <p:spPr/>
-        <p:txBody>
-          <a:bodyPr/>
-          <a:lstStyle/>
-          <a:p>
-            <a:endParaRPr lang="id-ID"/>
+            <a:r>
+              <a:rPr lang="en-US" altLang="id-ID"/>
+              <a:t>Tertaut pada proposal</a:t>
+            </a:r>
+            <a:endParaRPr lang="en-US" altLang="id-ID"/>
           </a:p>
         </p:txBody>
       </p:sp>
     </p:spTree>
-    <p:extLst>
-      <p:ext uri="{BB962C8B-B14F-4D97-AF65-F5344CB8AC3E}">
-        <p14:creationId xmlns:p14="http://schemas.microsoft.com/office/powerpoint/2010/main" val="2337036718"/>
-      </p:ext>
-    </p:extLst>
   </p:cSld>
   <p:clrMapOvr>
     <a:masterClrMapping/>
@@ -5220,80 +6950,11 @@
           <a:lstStyle/>
           <a:p>
             <a:pPr algn="l"/>
-            <a:r>
-              <a:rPr lang="en-US" dirty="0" smtClean="0"/>
-              <a:t>1.1 </a:t>
-            </a:r>
-            <a:r>
-              <a:rPr lang="en-US" dirty="0" err="1" smtClean="0"/>
-              <a:t>Latar</a:t>
-            </a:r>
-            <a:r>
-              <a:rPr lang="en-US" dirty="0" smtClean="0"/>
-              <a:t> </a:t>
-            </a:r>
-            <a:r>
-              <a:rPr lang="en-US" dirty="0" err="1" smtClean="0"/>
-              <a:t>Belakang</a:t>
-            </a:r>
-            <a:r>
-              <a:rPr lang="en-US" dirty="0"/>
-              <a:t>	</a:t>
-            </a:r>
-            <a:r>
-              <a:rPr lang="en-US" dirty="0" smtClean="0"/>
-              <a:t>	1.3 </a:t>
-            </a:r>
-            <a:r>
-              <a:rPr lang="en-US" dirty="0" err="1" smtClean="0"/>
-              <a:t>Tujuan</a:t>
-            </a:r>
-            <a:r>
-              <a:rPr lang="en-US" dirty="0" smtClean="0"/>
-              <a:t>		1.5 </a:t>
-            </a:r>
-            <a:r>
-              <a:rPr lang="en-US" dirty="0" err="1" smtClean="0"/>
-              <a:t>Hipotesis</a:t>
-            </a:r>
             <a:endParaRPr lang="en-US" dirty="0" smtClean="0"/>
           </a:p>
-          <a:p>
-            <a:pPr algn="l"/>
-            <a:r>
-              <a:rPr lang="en-US" dirty="0" smtClean="0"/>
-              <a:t>1.2 </a:t>
-            </a:r>
-            <a:r>
-              <a:rPr lang="en-US" dirty="0" err="1" smtClean="0"/>
-              <a:t>Rumusan</a:t>
-            </a:r>
-            <a:r>
-              <a:rPr lang="en-US" dirty="0" smtClean="0"/>
-              <a:t> </a:t>
-            </a:r>
-            <a:r>
-              <a:rPr lang="en-US" dirty="0" err="1" smtClean="0"/>
-              <a:t>Masalah</a:t>
-            </a:r>
-            <a:r>
-              <a:rPr lang="en-US" dirty="0" smtClean="0"/>
-              <a:t>	1.4 </a:t>
-            </a:r>
-            <a:r>
-              <a:rPr lang="en-US" dirty="0" err="1" smtClean="0"/>
-              <a:t>Batasan</a:t>
-            </a:r>
-            <a:endParaRPr lang="en-US" dirty="0" smtClean="0"/>
-          </a:p>
         </p:txBody>
       </p:sp>
     </p:spTree>
-    <p:extLst>
-      <p:ext uri="{BB962C8B-B14F-4D97-AF65-F5344CB8AC3E}">
-        <p14:creationId xmlns:p14="http://schemas.microsoft.com/office/powerpoint/2010/main" val="1494911202"/>
-      </p:ext>
-    </p:extLst>
   </p:cSld>
   <p:clrMapOvr>
     <a:masterClrMapping/>
@@ -5363,16 +7024,18 @@
           <a:bodyPr/>
           <a:lstStyle/>
           <a:p>
+            <a:pPr marL="0" indent="0">
+              <a:buNone/>
+            </a:pPr>
+            <a:r>
+              <a:rPr lang="id-ID"/>
+              <a:t>Integrated Circuit (IC) merupakan modul teknologi dasar dari perangkat elektronika tertanam modern. Dengan berkembangnya teknologi IC yang mengutamakan ukuran kecil, dan performa yang tinggi serta dengan harga yang murah membuat teknologi IC semakin diminati [1].</a:t>
+            </a:r>
             <a:endParaRPr lang="id-ID"/>
           </a:p>
         </p:txBody>
       </p:sp>
     </p:spTree>
-    <p:extLst>
-      <p:ext uri="{BB962C8B-B14F-4D97-AF65-F5344CB8AC3E}">
-        <p14:creationId xmlns:p14="http://schemas.microsoft.com/office/powerpoint/2010/main" val="2899900657"/>
-      </p:ext>
-    </p:extLst>
   </p:cSld>
   <p:clrMapOvr>
     <a:masterClrMapping/>
@@ -5406,7 +7069,7 @@
       </p:grpSpPr>
       <p:sp>
         <p:nvSpPr>
-          <p:cNvPr id="4" name="Title 3"/>
+          <p:cNvPr id="2" name="Title 1"/>
           <p:cNvSpPr>
             <a:spLocks noGrp="1"/>
           </p:cNvSpPr>
@@ -5421,104 +7084,56 @@
           <a:p>
             <a:r>
               <a:rPr lang="en-US" dirty="0" err="1" smtClean="0"/>
-              <a:t>Pendahuluan</a:t>
-            </a:r>
-            <a:endParaRPr lang="id-ID" dirty="0"/>
-          </a:p>
-        </p:txBody>
-      </p:sp>
-      <p:sp>
-        <p:nvSpPr>
-          <p:cNvPr id="5" name="Text Placeholder 4"/>
-          <p:cNvSpPr>
-            <a:spLocks noGrp="1"/>
-          </p:cNvSpPr>
-          <p:nvPr>
-            <p:ph type="body" idx="1"/>
+              <a:t>Masalah</a:t>
+            </a:r>
+            <a:endParaRPr lang="en-US" dirty="0"/>
+          </a:p>
+        </p:txBody>
+      </p:sp>
+      <p:sp>
+        <p:nvSpPr>
+          <p:cNvPr id="3" name="Content Placeholder 2"/>
+          <p:cNvSpPr>
+            <a:spLocks noGrp="1"/>
+          </p:cNvSpPr>
+          <p:nvPr>
+            <p:ph idx="1"/>
           </p:nvPr>
         </p:nvSpPr>
         <p:spPr/>
         <p:txBody>
-          <a:bodyPr>
-            <a:normAutofit/>
-          </a:bodyPr>
+          <a:bodyPr/>
           <a:lstStyle/>
           <a:p>
-            <a:pPr algn="l"/>
-            <a:r>
-              <a:rPr lang="en-US" dirty="0" smtClean="0"/>
-              <a:t>1.1 </a:t>
-            </a:r>
-            <a:r>
-              <a:rPr lang="en-US" dirty="0" err="1" smtClean="0"/>
-              <a:t>Latar</a:t>
-            </a:r>
-            <a:r>
-              <a:rPr lang="en-US" dirty="0" smtClean="0"/>
-              <a:t> </a:t>
-            </a:r>
-            <a:r>
-              <a:rPr lang="en-US" dirty="0" err="1" smtClean="0"/>
-              <a:t>Belakang</a:t>
-            </a:r>
-            <a:r>
-              <a:rPr lang="en-US" dirty="0"/>
-              <a:t>	</a:t>
-            </a:r>
-            <a:r>
-              <a:rPr lang="en-US" dirty="0" smtClean="0"/>
-              <a:t>	1.3 </a:t>
-            </a:r>
-            <a:r>
-              <a:rPr lang="en-US" dirty="0" err="1" smtClean="0"/>
-              <a:t>Tujuan</a:t>
-            </a:r>
-            <a:r>
-              <a:rPr lang="en-US" dirty="0" smtClean="0"/>
-              <a:t>		1.5 </a:t>
-            </a:r>
-            <a:r>
-              <a:rPr lang="en-US" dirty="0" err="1" smtClean="0"/>
-              <a:t>Hipotesis</a:t>
-            </a:r>
-            <a:endParaRPr lang="en-US" dirty="0" smtClean="0"/>
-          </a:p>
-          <a:p>
-            <a:pPr algn="l"/>
-            <a:r>
-              <a:rPr lang="en-US" dirty="0" smtClean="0"/>
-              <a:t>1.2 </a:t>
-            </a:r>
-            <a:r>
-              <a:rPr lang="en-US" dirty="0" err="1" smtClean="0"/>
-              <a:t>Rumusan</a:t>
-            </a:r>
-            <a:r>
-              <a:rPr lang="en-US" dirty="0" smtClean="0"/>
-              <a:t> </a:t>
-            </a:r>
-            <a:r>
-              <a:rPr lang="en-US" dirty="0" err="1" smtClean="0"/>
-              <a:t>Masalah</a:t>
-            </a:r>
-            <a:r>
-              <a:rPr lang="en-US" dirty="0" smtClean="0"/>
-              <a:t>	1.4 </a:t>
-            </a:r>
-            <a:r>
-              <a:rPr lang="en-US" dirty="0" err="1" smtClean="0"/>
-              <a:t>Batasan</a:t>
-            </a:r>
-            <a:endParaRPr lang="en-US" dirty="0" smtClean="0"/>
+            <a:r>
+              <a:rPr lang="en-US" altLang="id-ID"/>
+              <a:t>Fabless manufacturing.</a:t>
+            </a:r>
+            <a:endParaRPr lang="en-US" altLang="id-ID"/>
+          </a:p>
+          <a:p>
+            <a:endParaRPr lang="en-US" altLang="id-ID"/>
+          </a:p>
+          <a:p>
+            <a:r>
+              <a:rPr lang="en-US" altLang="id-ID"/>
+              <a:t>Electronics design relatievly easy to copy.</a:t>
+            </a:r>
+            <a:endParaRPr lang="en-US" altLang="id-ID"/>
+          </a:p>
+          <a:p>
+            <a:endParaRPr lang="en-US" altLang="id-ID"/>
+          </a:p>
+          <a:p>
+            <a:r>
+              <a:rPr lang="en-US" altLang="id-ID"/>
+              <a:t>Claiming</a:t>
+            </a:r>
+            <a:endParaRPr lang="en-US" altLang="id-ID"/>
           </a:p>
         </p:txBody>
       </p:sp>
     </p:spTree>
-    <p:extLst>
-      <p:ext uri="{BB962C8B-B14F-4D97-AF65-F5344CB8AC3E}">
-        <p14:creationId xmlns:p14="http://schemas.microsoft.com/office/powerpoint/2010/main" val="2514863279"/>
-      </p:ext>
-    </p:extLst>
   </p:cSld>
   <p:clrMapOvr>
     <a:masterClrMapping/>
@@ -5567,17 +7182,9 @@
           <a:p>
             <a:r>
               <a:rPr lang="en-US" dirty="0" err="1" smtClean="0"/>
-              <a:t>Kajian</a:t>
-            </a:r>
-            <a:r>
-              <a:rPr lang="en-US" dirty="0" smtClean="0"/>
-              <a:t> </a:t>
-            </a:r>
-            <a:r>
-              <a:rPr lang="en-US" dirty="0" err="1" smtClean="0"/>
-              <a:t>Pustaka</a:t>
-            </a:r>
-            <a:endParaRPr lang="id-ID" dirty="0"/>
+              <a:t>Tujuan</a:t>
+            </a:r>
+            <a:endParaRPr lang="en-US" dirty="0"/>
           </a:p>
         </p:txBody>
       </p:sp>
@@ -5596,16 +7203,35 @@
           <a:bodyPr/>
           <a:lstStyle/>
           <a:p>
-            <a:endParaRPr lang="id-ID"/>
+            <a:r>
+              <a:rPr lang="en-US" altLang="id-ID"/>
+              <a:t>Designing protection</a:t>
+            </a:r>
+            <a:endParaRPr lang="en-US" altLang="id-ID"/>
+          </a:p>
+          <a:p>
+            <a:endParaRPr lang="en-US" altLang="id-ID"/>
+          </a:p>
+          <a:p>
+            <a:r>
+              <a:rPr lang="en-US" altLang="id-ID"/>
+              <a:t>Performa analisys</a:t>
+            </a:r>
+            <a:endParaRPr lang="en-US" altLang="id-ID"/>
+          </a:p>
+          <a:p>
+            <a:endParaRPr lang="en-US" altLang="id-ID"/>
+          </a:p>
+          <a:p>
+            <a:r>
+              <a:rPr lang="en-US" altLang="id-ID"/>
+              <a:t>Secret information</a:t>
+            </a:r>
+            <a:endParaRPr lang="en-US" altLang="id-ID"/>
           </a:p>
         </p:txBody>
       </p:sp>
     </p:spTree>
-    <p:extLst>
-      <p:ext uri="{BB962C8B-B14F-4D97-AF65-F5344CB8AC3E}">
-        <p14:creationId xmlns:p14="http://schemas.microsoft.com/office/powerpoint/2010/main" val="2394937049"/>
-      </p:ext>
-    </p:extLst>
   </p:cSld>
   <p:clrMapOvr>
     <a:masterClrMapping/>
@@ -5639,7 +7265,7 @@
       </p:grpSpPr>
       <p:sp>
         <p:nvSpPr>
-          <p:cNvPr id="4" name="Title 3"/>
+          <p:cNvPr id="2" name="Title 1"/>
           <p:cNvSpPr>
             <a:spLocks noGrp="1"/>
           </p:cNvSpPr>
@@ -5654,104 +7280,56 @@
           <a:p>
             <a:r>
               <a:rPr lang="en-US" dirty="0" err="1" smtClean="0"/>
-              <a:t>Pendahuluan</a:t>
-            </a:r>
-            <a:endParaRPr lang="id-ID" dirty="0"/>
-          </a:p>
-        </p:txBody>
-      </p:sp>
-      <p:sp>
-        <p:nvSpPr>
-          <p:cNvPr id="5" name="Text Placeholder 4"/>
-          <p:cNvSpPr>
-            <a:spLocks noGrp="1"/>
-          </p:cNvSpPr>
-          <p:nvPr>
-            <p:ph type="body" idx="1"/>
+              <a:t>Batasan</a:t>
+            </a:r>
+            <a:endParaRPr lang="en-US" dirty="0"/>
+          </a:p>
+        </p:txBody>
+      </p:sp>
+      <p:sp>
+        <p:nvSpPr>
+          <p:cNvPr id="3" name="Content Placeholder 2"/>
+          <p:cNvSpPr>
+            <a:spLocks noGrp="1"/>
+          </p:cNvSpPr>
+          <p:nvPr>
+            <p:ph idx="1"/>
           </p:nvPr>
         </p:nvSpPr>
         <p:spPr/>
         <p:txBody>
-          <a:bodyPr>
-            <a:normAutofit/>
-          </a:bodyPr>
+          <a:bodyPr/>
           <a:lstStyle/>
           <a:p>
-            <a:pPr algn="l"/>
-            <a:r>
-              <a:rPr lang="en-US" dirty="0" smtClean="0"/>
-              <a:t>1.1 </a:t>
-            </a:r>
-            <a:r>
-              <a:rPr lang="en-US" dirty="0" err="1" smtClean="0"/>
-              <a:t>Latar</a:t>
-            </a:r>
-            <a:r>
-              <a:rPr lang="en-US" dirty="0" smtClean="0"/>
-              <a:t> </a:t>
-            </a:r>
-            <a:r>
-              <a:rPr lang="en-US" dirty="0" err="1" smtClean="0"/>
-              <a:t>Belakang</a:t>
-            </a:r>
-            <a:r>
-              <a:rPr lang="en-US" dirty="0"/>
-              <a:t>	</a:t>
-            </a:r>
-            <a:r>
-              <a:rPr lang="en-US" dirty="0" smtClean="0"/>
-              <a:t>	1.3 </a:t>
-            </a:r>
-            <a:r>
-              <a:rPr lang="en-US" dirty="0" err="1" smtClean="0"/>
-              <a:t>Tujuan</a:t>
-            </a:r>
-            <a:r>
-              <a:rPr lang="en-US" dirty="0" smtClean="0"/>
-              <a:t>		1.5 </a:t>
-            </a:r>
-            <a:r>
-              <a:rPr lang="en-US" dirty="0" err="1" smtClean="0"/>
-              <a:t>Hipotesis</a:t>
-            </a:r>
-            <a:endParaRPr lang="en-US" dirty="0" smtClean="0"/>
-          </a:p>
-          <a:p>
-            <a:pPr algn="l"/>
-            <a:r>
-              <a:rPr lang="en-US" dirty="0" smtClean="0"/>
-              <a:t>1.2 </a:t>
-            </a:r>
-            <a:r>
-              <a:rPr lang="en-US" dirty="0" err="1" smtClean="0"/>
-              <a:t>Rumusan</a:t>
-            </a:r>
-            <a:r>
-              <a:rPr lang="en-US" dirty="0" smtClean="0"/>
-              <a:t> </a:t>
-            </a:r>
-            <a:r>
-              <a:rPr lang="en-US" dirty="0" err="1" smtClean="0"/>
-              <a:t>Masalah</a:t>
-            </a:r>
-            <a:r>
-              <a:rPr lang="en-US" dirty="0" smtClean="0"/>
-              <a:t>	1.4 </a:t>
-            </a:r>
-            <a:r>
-              <a:rPr lang="en-US" dirty="0" err="1" smtClean="0"/>
-              <a:t>Batasan</a:t>
-            </a:r>
-            <a:endParaRPr lang="en-US" dirty="0" smtClean="0"/>
+            <a:r>
+              <a:rPr lang="en-US" altLang="id-ID"/>
+              <a:t>Using common IC CORE</a:t>
+            </a:r>
+            <a:endParaRPr lang="en-US" altLang="id-ID"/>
+          </a:p>
+          <a:p>
+            <a:endParaRPr lang="en-US" altLang="id-ID"/>
+          </a:p>
+          <a:p>
+            <a:r>
+              <a:rPr lang="en-US" altLang="id-ID"/>
+              <a:t>Insert protection</a:t>
+            </a:r>
+            <a:endParaRPr lang="en-US" altLang="id-ID"/>
+          </a:p>
+          <a:p>
+            <a:endParaRPr lang="en-US" altLang="id-ID"/>
+          </a:p>
+          <a:p>
+            <a:r>
+              <a:rPr lang="en-US" altLang="id-ID"/>
+              <a:t>Using single design on single chip</a:t>
+            </a:r>
+            <a:endParaRPr lang="en-US" altLang="id-ID"/>
           </a:p>
         </p:txBody>
       </p:sp>
     </p:spTree>
-    <p:extLst>
-      <p:ext uri="{BB962C8B-B14F-4D97-AF65-F5344CB8AC3E}">
-        <p14:creationId xmlns:p14="http://schemas.microsoft.com/office/powerpoint/2010/main" val="798881203"/>
-      </p:ext>
-    </p:extLst>
   </p:cSld>
   <p:clrMapOvr>
     <a:masterClrMapping/>
@@ -5800,17 +7378,9 @@
           <a:p>
             <a:r>
               <a:rPr lang="en-US" dirty="0" err="1" smtClean="0"/>
-              <a:t>Metodologi</a:t>
-            </a:r>
-            <a:r>
-              <a:rPr lang="en-US" dirty="0" smtClean="0"/>
-              <a:t> </a:t>
-            </a:r>
-            <a:r>
-              <a:rPr lang="en-US" dirty="0" err="1" smtClean="0"/>
-              <a:t>Penelitian</a:t>
-            </a:r>
-            <a:endParaRPr lang="id-ID" dirty="0"/>
+              <a:t>Hipotesis</a:t>
+            </a:r>
+            <a:endParaRPr lang="en-US" dirty="0"/>
           </a:p>
         </p:txBody>
       </p:sp>
@@ -5829,16 +7399,18 @@
           <a:bodyPr/>
           <a:lstStyle/>
           <a:p>
+            <a:pPr marL="0" indent="0">
+              <a:buNone/>
+            </a:pPr>
+            <a:r>
+              <a:rPr lang="id-ID"/>
+              <a:t>Desain modul akan disisipkan watermark sehingga pihak lain yang mencuri desain dan ketika desain telah tercetak, desainer dapat mengklaim modul tersebut dengan memasukkan kombinasi kode khusus yang hanya diketahui oleh desainer.</a:t>
+            </a:r>
             <a:endParaRPr lang="id-ID"/>
           </a:p>
         </p:txBody>
       </p:sp>
     </p:spTree>
-    <p:extLst>
-      <p:ext uri="{BB962C8B-B14F-4D97-AF65-F5344CB8AC3E}">
-        <p14:creationId xmlns:p14="http://schemas.microsoft.com/office/powerpoint/2010/main" val="1646663484"/>
-      </p:ext>
-    </p:extLst>
   </p:cSld>
   <p:clrMapOvr>
     <a:masterClrMapping/>
@@ -5887,9 +7459,9 @@
           <a:p>
             <a:r>
               <a:rPr lang="en-US" dirty="0" err="1" smtClean="0"/>
-              <a:t>Pendahuluan</a:t>
-            </a:r>
-            <a:endParaRPr lang="id-ID" dirty="0"/>
+              <a:t>Desain</a:t>
+            </a:r>
+            <a:endParaRPr lang="en-US" dirty="0"/>
           </a:p>
         </p:txBody>
       </p:sp>
@@ -5911,80 +7483,11 @@
           <a:lstStyle/>
           <a:p>
             <a:pPr algn="l"/>
-            <a:r>
-              <a:rPr lang="en-US" dirty="0" smtClean="0"/>
-              <a:t>1.1 </a:t>
-            </a:r>
-            <a:r>
-              <a:rPr lang="en-US" dirty="0" err="1" smtClean="0"/>
-              <a:t>Latar</a:t>
-            </a:r>
-            <a:r>
-              <a:rPr lang="en-US" dirty="0" smtClean="0"/>
-              <a:t> </a:t>
-            </a:r>
-            <a:r>
-              <a:rPr lang="en-US" dirty="0" err="1" smtClean="0"/>
-              <a:t>Belakang</a:t>
-            </a:r>
-            <a:r>
-              <a:rPr lang="en-US" dirty="0"/>
-              <a:t>	</a:t>
-            </a:r>
-            <a:r>
-              <a:rPr lang="en-US" dirty="0" smtClean="0"/>
-              <a:t>	1.3 </a:t>
-            </a:r>
-            <a:r>
-              <a:rPr lang="en-US" dirty="0" err="1" smtClean="0"/>
-              <a:t>Tujuan</a:t>
-            </a:r>
-            <a:r>
-              <a:rPr lang="en-US" dirty="0" smtClean="0"/>
-              <a:t>		1.5 </a:t>
-            </a:r>
-            <a:r>
-              <a:rPr lang="en-US" dirty="0" err="1" smtClean="0"/>
-              <a:t>Hipotesis</a:t>
-            </a:r>
             <a:endParaRPr lang="en-US" dirty="0" smtClean="0"/>
           </a:p>
-          <a:p>
-            <a:pPr algn="l"/>
-            <a:r>
-              <a:rPr lang="en-US" dirty="0" smtClean="0"/>
-              <a:t>1.2 </a:t>
-            </a:r>
-            <a:r>
-              <a:rPr lang="en-US" dirty="0" err="1" smtClean="0"/>
-              <a:t>Rumusan</a:t>
-            </a:r>
-            <a:r>
-              <a:rPr lang="en-US" dirty="0" smtClean="0"/>
-              <a:t> </a:t>
-            </a:r>
-            <a:r>
-              <a:rPr lang="en-US" dirty="0" err="1" smtClean="0"/>
-              <a:t>Masalah</a:t>
-            </a:r>
-            <a:r>
-              <a:rPr lang="en-US" dirty="0" smtClean="0"/>
-              <a:t>	1.4 </a:t>
-            </a:r>
-            <a:r>
-              <a:rPr lang="en-US" dirty="0" err="1" smtClean="0"/>
-              <a:t>Batasan</a:t>
-            </a:r>
-            <a:endParaRPr lang="en-US" dirty="0" smtClean="0"/>
-          </a:p>
         </p:txBody>
       </p:sp>
     </p:spTree>
-    <p:extLst>
-      <p:ext uri="{BB962C8B-B14F-4D97-AF65-F5344CB8AC3E}">
-        <p14:creationId xmlns:p14="http://schemas.microsoft.com/office/powerpoint/2010/main" val="2385923952"/>
-      </p:ext>
-    </p:extLst>
   </p:cSld>
   <p:clrMapOvr>
     <a:masterClrMapping/>
@@ -6033,37 +7536,65 @@
           <a:p>
             <a:r>
               <a:rPr lang="en-US" dirty="0" err="1" smtClean="0"/>
-              <a:t>Jadwal</a:t>
-            </a:r>
-            <a:endParaRPr lang="id-ID" dirty="0"/>
-          </a:p>
-        </p:txBody>
-      </p:sp>
-      <p:sp>
-        <p:nvSpPr>
-          <p:cNvPr id="3" name="Content Placeholder 2"/>
-          <p:cNvSpPr>
-            <a:spLocks noGrp="1"/>
-          </p:cNvSpPr>
-          <p:nvPr>
-            <p:ph idx="1"/>
-          </p:nvPr>
-        </p:nvSpPr>
-        <p:spPr/>
-        <p:txBody>
-          <a:bodyPr/>
-          <a:lstStyle/>
-          <a:p>
-            <a:endParaRPr lang="id-ID"/>
-          </a:p>
-        </p:txBody>
-      </p:sp>
+              <a:t>Perancangan Umum</a:t>
+            </a:r>
+            <a:endParaRPr lang="en-US" dirty="0"/>
+          </a:p>
+        </p:txBody>
+      </p:sp>
+      <p:pic>
+        <p:nvPicPr>
+          <p:cNvPr id="6" name="Content Placeholder 5"/>
+          <p:cNvPicPr>
+            <a:picLocks noChangeAspect="1"/>
+          </p:cNvPicPr>
+          <p:nvPr>
+            <p:ph sz="half" idx="1"/>
+          </p:nvPr>
+        </p:nvPicPr>
+        <p:blipFill>
+          <a:blip r:embed="rId1"/>
+          <a:stretch>
+            <a:fillRect/>
+          </a:stretch>
+        </p:blipFill>
+        <p:spPr>
+          <a:xfrm>
+            <a:off x="1371600" y="1701800"/>
+            <a:ext cx="4650740" cy="2093595"/>
+          </a:xfrm>
+          <a:prstGeom prst="rect">
+            <a:avLst/>
+          </a:prstGeom>
+        </p:spPr>
+      </p:pic>
+      <p:pic>
+        <p:nvPicPr>
+          <p:cNvPr id="7" name="Content Placeholder 6"/>
+          <p:cNvPicPr>
+            <a:picLocks noChangeAspect="1"/>
+          </p:cNvPicPr>
+          <p:nvPr>
+            <p:ph sz="half" idx="2"/>
+          </p:nvPr>
+        </p:nvPicPr>
+        <p:blipFill>
+          <a:blip r:embed="rId2"/>
+          <a:stretch>
+            <a:fillRect/>
+          </a:stretch>
+        </p:blipFill>
+        <p:spPr>
+          <a:xfrm>
+            <a:off x="5868035" y="3794760"/>
+            <a:ext cx="5742305" cy="2480310"/>
+          </a:xfrm>
+          <a:prstGeom prst="rect">
+            <a:avLst/>
+          </a:prstGeom>
+        </p:spPr>
+      </p:pic>
     </p:spTree>
-    <p:extLst>
-      <p:ext uri="{BB962C8B-B14F-4D97-AF65-F5344CB8AC3E}">
-        <p14:creationId xmlns:p14="http://schemas.microsoft.com/office/powerpoint/2010/main" val="2524016525"/>
-      </p:ext>
-    </p:extLst>
   </p:cSld>
   <p:clrMapOvr>
     <a:masterClrMapping/>
@@ -6121,7 +7652,7 @@
     </a:clrScheme>
     <a:fontScheme name="Crop">
       <a:majorFont>
-        <a:latin typeface="Franklin Gothic Book" panose="020B0503020102020204"/>
+        <a:latin typeface="Franklin Gothic Book"/>
         <a:ea typeface=""/>
         <a:cs typeface=""/>
         <a:font script="Jpan" typeface="メイリオ"/>
@@ -6156,7 +7687,7 @@
         <a:font script="Geor" typeface="Sylfaen"/>
       </a:majorFont>
       <a:minorFont>
-        <a:latin typeface="Franklin Gothic Book" panose="020B0503020102020204"/>
+        <a:latin typeface="Franklin Gothic Book"/>
         <a:ea typeface=""/>
         <a:cs typeface=""/>
         <a:font script="Jpan" typeface="メイリオ"/>
@@ -6326,11 +7857,9 @@
       </a:bgFillStyleLst>
     </a:fmtScheme>
   </a:themeElements>
-  <a:objectDefaults/>
-  <a:extraClrSchemeLst/>
   <a:extLst>
     <a:ext uri="{05A4C25C-085E-4340-85A3-A5531E510DB2}">
-      <thm15:themeFamily xmlns:thm15="http://schemas.microsoft.com/office/thememl/2012/main" name="Crop" id="{EC9488ED-E761-4D60-9AC4-764D1FE2C171}" vid="{CE19780C-D67D-4C13-9DE9-A52BC3BA51B4}"/>
+      <thm15:themeFamily xmlns:thm15="http://schemas.microsoft.com/office/thememl/2012/main" name="Office Theme" id="{62F939B6-93AF-4DB8-9C6B-D6C7DFDC589F}" vid="{4A3C46E8-61CC-4603-A589-7422A47A8E4A}"/>
     </a:ext>
   </a:extLst>
 </a:theme>
